--- a/docs/figure/chapter04/Figure.pptx
+++ b/docs/figure/chapter04/Figure.pptx
@@ -5,7 +5,7 @@
     <p:sldMasterId id="2147483648" r:id="rId1"/>
   </p:sldMasterIdLst>
   <p:notesMasterIdLst>
-    <p:notesMasterId r:id="rId9"/>
+    <p:notesMasterId r:id="rId8"/>
   </p:notesMasterIdLst>
   <p:sldIdLst>
     <p:sldId id="298" r:id="rId3"/>
@@ -13,7 +13,8 @@
     <p:sldId id="294" r:id="rId5"/>
     <p:sldId id="305" r:id="rId6"/>
     <p:sldId id="306" r:id="rId7"/>
-    <p:sldId id="307" r:id="rId8"/>
+    <p:sldId id="308" r:id="rId9"/>
+    <p:sldId id="307" r:id="rId10"/>
   </p:sldIdLst>
   <p:sldSz cx="12192000" cy="6858000"/>
   <p:notesSz cx="6858000" cy="9144000"/>
@@ -460,6 +461,50 @@
     </a:lvl9pPr>
   </p:notesStyle>
 </p:notesMaster>
+</file>
+
+<file path=ppt/notesSlides/notesSlide1.xml><?xml version="1.0" encoding="utf-8"?>
+<p:notes xmlns:a="http://schemas.openxmlformats.org/drawingml/2006/main" xmlns:r="http://schemas.openxmlformats.org/officeDocument/2006/relationships" xmlns:p="http://schemas.openxmlformats.org/presentationml/2006/main">
+  <p:cSld>
+    <p:spTree>
+      <p:nvGrpSpPr>
+        <p:cNvPr id="1" name=""/>
+        <p:cNvGrpSpPr/>
+        <p:nvPr/>
+      </p:nvGrpSpPr>
+      <p:grpSpPr/>
+      <p:sp>
+        <p:nvSpPr>
+          <p:cNvPr id="2" name="Slide Image Placeholder 1"/>
+          <p:cNvSpPr/>
+          <p:nvPr>
+            <p:ph type="sldImg" idx="2"/>
+          </p:nvPr>
+        </p:nvSpPr>
+        <p:spPr/>
+      </p:sp>
+      <p:sp>
+        <p:nvSpPr>
+          <p:cNvPr id="3" name="Text Placeholder 2"/>
+          <p:cNvSpPr/>
+          <p:nvPr>
+            <p:ph type="body" idx="3"/>
+          </p:nvPr>
+        </p:nvSpPr>
+        <p:spPr/>
+        <p:txBody>
+          <a:bodyPr/>
+          <a:p>
+            <a:endParaRPr lang="en-US"/>
+          </a:p>
+        </p:txBody>
+      </p:sp>
+    </p:spTree>
+  </p:cSld>
+  <p:clrMapOvr>
+    <a:masterClrMapping/>
+  </p:clrMapOvr>
+</p:notes>
 </file>
 
 <file path=ppt/slideLayouts/slideLayout1.xml><?xml version="1.0" encoding="utf-8"?>
@@ -10456,114 +10501,32 @@
         <p:nvPr/>
       </p:nvGrpSpPr>
       <p:grpSpPr/>
-      <p:sp>
-        <p:nvSpPr>
-          <p:cNvPr id="7" name="Diamond 6"/>
-          <p:cNvSpPr/>
-          <p:nvPr/>
-        </p:nvSpPr>
-        <p:spPr>
-          <a:xfrm>
-            <a:off x="3470910" y="2880360"/>
-            <a:ext cx="2971800" cy="1051560"/>
-          </a:xfrm>
-          <a:prstGeom prst="diamond">
-            <a:avLst/>
-          </a:prstGeom>
-          <a:solidFill>
-            <a:schemeClr val="bg1"/>
-          </a:solidFill>
-          <a:ln>
-            <a:solidFill>
-              <a:schemeClr val="tx1"/>
-            </a:solidFill>
-          </a:ln>
-        </p:spPr>
-        <p:style>
-          <a:lnRef idx="2">
-            <a:schemeClr val="accent1">
-              <a:shade val="50000"/>
-            </a:schemeClr>
-          </a:lnRef>
-          <a:fillRef idx="1">
-            <a:schemeClr val="accent1"/>
-          </a:fillRef>
-          <a:effectRef idx="0">
-            <a:schemeClr val="accent1"/>
-          </a:effectRef>
-          <a:fontRef idx="minor">
-            <a:schemeClr val="lt1"/>
-          </a:fontRef>
-        </p:style>
-        <p:txBody>
-          <a:bodyPr rtlCol="0" anchor="ctr"/>
-          <a:p>
-            <a:pPr algn="ctr"/>
-            <a:endParaRPr lang="en-US"/>
-          </a:p>
-        </p:txBody>
-      </p:sp>
-      <p:sp>
-        <p:nvSpPr>
-          <p:cNvPr id="5" name="Text Box 4"/>
-          <p:cNvSpPr txBox="1"/>
-          <p:nvPr/>
-        </p:nvSpPr>
-        <p:spPr>
-          <a:xfrm>
-            <a:off x="3920490" y="3199130"/>
-            <a:ext cx="2245995" cy="368300"/>
-          </a:xfrm>
-          <a:prstGeom prst="rect">
-            <a:avLst/>
-          </a:prstGeom>
-          <a:noFill/>
-        </p:spPr>
-        <p:txBody>
-          <a:bodyPr wrap="square" rtlCol="0">
-            <a:spAutoFit/>
-          </a:bodyPr>
-          <a:p>
-            <a:r>
-              <a:rPr lang="en-US" altLang="en-US">
-                <a:latin typeface="Ubuntu" panose="020B0604030602030204" charset="0"/>
-                <a:cs typeface="Ubuntu" panose="020B0604030602030204" charset="0"/>
-              </a:rPr>
-              <a:t>Collision Checking</a:t>
-            </a:r>
-            <a:endParaRPr lang="en-US" altLang="en-US">
-              <a:latin typeface="Ubuntu" panose="020B0604030602030204" charset="0"/>
-              <a:cs typeface="Ubuntu" panose="020B0604030602030204" charset="0"/>
-            </a:endParaRPr>
-          </a:p>
-        </p:txBody>
-      </p:sp>
       <p:grpSp>
         <p:nvGrpSpPr>
-          <p:cNvPr id="10" name="Group 9"/>
+          <p:cNvPr id="45" name="Group 44"/>
           <p:cNvGrpSpPr/>
           <p:nvPr/>
         </p:nvGrpSpPr>
         <p:grpSpPr>
           <a:xfrm>
-            <a:off x="4326255" y="1858645"/>
-            <a:ext cx="1261110" cy="488950"/>
-            <a:chOff x="6583" y="1319"/>
-            <a:chExt cx="1986" cy="770"/>
+            <a:off x="743585" y="1249045"/>
+            <a:ext cx="9545955" cy="5001895"/>
+            <a:chOff x="520" y="2640"/>
+            <a:chExt cx="15033" cy="7877"/>
           </a:xfrm>
         </p:grpSpPr>
         <p:sp>
           <p:nvSpPr>
-            <p:cNvPr id="8" name="Rectangle 7"/>
+            <p:cNvPr id="7" name="Diamond 6"/>
             <p:cNvSpPr/>
             <p:nvPr/>
           </p:nvSpPr>
           <p:spPr>
             <a:xfrm>
-              <a:off x="6583" y="1319"/>
-              <a:ext cx="1986" cy="770"/>
+              <a:off x="5466" y="4536"/>
+              <a:ext cx="4680" cy="1656"/>
             </a:xfrm>
-            <a:prstGeom prst="rect">
+            <a:prstGeom prst="diamond">
               <a:avLst/>
             </a:prstGeom>
             <a:solidFill>
@@ -10601,153 +10564,14 @@
         </p:sp>
         <p:sp>
           <p:nvSpPr>
-            <p:cNvPr id="9" name="Text Box 8"/>
+            <p:cNvPr id="5" name="Text Box 4"/>
             <p:cNvSpPr txBox="1"/>
             <p:nvPr/>
           </p:nvSpPr>
           <p:spPr>
             <a:xfrm>
-              <a:off x="6595" y="1402"/>
-              <a:ext cx="1972" cy="580"/>
-            </a:xfrm>
-            <a:prstGeom prst="rect">
-              <a:avLst/>
-            </a:prstGeom>
-            <a:noFill/>
-          </p:spPr>
-          <p:txBody>
-            <a:bodyPr wrap="none" rtlCol="0">
-              <a:spAutoFit/>
-            </a:bodyPr>
-            <a:p>
-              <a:r>
-                <a:rPr lang="en-US" altLang="en-US">
-                  <a:latin typeface="Ubuntu" panose="020B0604030602030204" charset="0"/>
-                  <a:cs typeface="Ubuntu" panose="020B0604030602030204" charset="0"/>
-                </a:rPr>
-                <a:t>New node</a:t>
-              </a:r>
-              <a:endParaRPr lang="en-US" altLang="en-US">
-                <a:latin typeface="Ubuntu" panose="020B0604030602030204" charset="0"/>
-                <a:cs typeface="Ubuntu" panose="020B0604030602030204" charset="0"/>
-              </a:endParaRPr>
-            </a:p>
-          </p:txBody>
-        </p:sp>
-      </p:grpSp>
-      <p:cxnSp>
-        <p:nvCxnSpPr>
-          <p:cNvPr id="11" name="Straight Arrow Connector 10"/>
-          <p:cNvCxnSpPr>
-            <a:stCxn id="8" idx="2"/>
-            <a:endCxn id="7" idx="0"/>
-          </p:cNvCxnSpPr>
-          <p:nvPr/>
-        </p:nvCxnSpPr>
-        <p:spPr>
-          <a:xfrm>
-            <a:off x="4956810" y="2347595"/>
-            <a:ext cx="0" cy="532765"/>
-          </a:xfrm>
-          <a:prstGeom prst="straightConnector1">
-            <a:avLst/>
-          </a:prstGeom>
-          <a:ln w="19050">
-            <a:solidFill>
-              <a:schemeClr val="tx1"/>
-            </a:solidFill>
-            <a:tailEnd type="arrow"/>
-          </a:ln>
-        </p:spPr>
-        <p:style>
-          <a:lnRef idx="1">
-            <a:schemeClr val="accent1"/>
-          </a:lnRef>
-          <a:fillRef idx="0">
-            <a:schemeClr val="accent1"/>
-          </a:fillRef>
-          <a:effectRef idx="0">
-            <a:schemeClr val="accent1"/>
-          </a:effectRef>
-          <a:fontRef idx="minor">
-            <a:schemeClr val="tx1"/>
-          </a:fontRef>
-        </p:style>
-      </p:cxnSp>
-      <p:grpSp>
-        <p:nvGrpSpPr>
-          <p:cNvPr id="13" name="Group 12"/>
-          <p:cNvGrpSpPr/>
-          <p:nvPr/>
-        </p:nvGrpSpPr>
-        <p:grpSpPr>
-          <a:xfrm>
-            <a:off x="7071360" y="1684020"/>
-            <a:ext cx="2649220" cy="838200"/>
-            <a:chOff x="11640" y="2408"/>
-            <a:chExt cx="4172" cy="1320"/>
-          </a:xfrm>
-        </p:grpSpPr>
-        <p:sp>
-          <p:nvSpPr>
-            <p:cNvPr id="6" name="Rounded Rectangle 5"/>
-            <p:cNvSpPr/>
-            <p:nvPr/>
-          </p:nvSpPr>
-          <p:spPr>
-            <a:xfrm>
-              <a:off x="11640" y="2408"/>
-              <a:ext cx="4173" cy="1320"/>
-            </a:xfrm>
-            <a:prstGeom prst="roundRect">
-              <a:avLst/>
-            </a:prstGeom>
-            <a:solidFill>
-              <a:schemeClr val="bg1"/>
-            </a:solidFill>
-            <a:ln w="19050">
-              <a:solidFill>
-                <a:schemeClr val="tx1"/>
-              </a:solidFill>
-            </a:ln>
-          </p:spPr>
-          <p:style>
-            <a:lnRef idx="2">
-              <a:schemeClr val="accent1">
-                <a:shade val="50000"/>
-              </a:schemeClr>
-            </a:lnRef>
-            <a:fillRef idx="1">
-              <a:schemeClr val="accent1"/>
-            </a:fillRef>
-            <a:effectRef idx="0">
-              <a:schemeClr val="accent1"/>
-            </a:effectRef>
-            <a:fontRef idx="minor">
-              <a:schemeClr val="lt1"/>
-            </a:fontRef>
-          </p:style>
-          <p:txBody>
-            <a:bodyPr rtlCol="0" anchor="ctr"/>
-            <a:p>
-              <a:pPr algn="ctr"/>
-              <a:endParaRPr lang="en-US" i="1">
-                <a:latin typeface="Ubuntu" panose="020B0604030602030204" charset="0"/>
-                <a:cs typeface="Ubuntu" panose="020B0604030602030204" charset="0"/>
-              </a:endParaRPr>
-            </a:p>
-          </p:txBody>
-        </p:sp>
-        <p:sp>
-          <p:nvSpPr>
-            <p:cNvPr id="12" name="Text Box 11"/>
-            <p:cNvSpPr txBox="1"/>
-            <p:nvPr/>
-          </p:nvSpPr>
-          <p:spPr>
-            <a:xfrm>
-              <a:off x="11897" y="2560"/>
-              <a:ext cx="3659" cy="1016"/>
+              <a:off x="6174" y="5038"/>
+              <a:ext cx="3537" cy="580"/>
             </a:xfrm>
             <a:prstGeom prst="rect">
               <a:avLst/>
@@ -10764,7 +10588,7 @@
                   <a:latin typeface="Ubuntu" panose="020B0604030602030204" charset="0"/>
                   <a:cs typeface="Ubuntu" panose="020B0604030602030204" charset="0"/>
                 </a:rPr>
-                <a:t>Generate a Reeds-Shepp curve to goal</a:t>
+                <a:t>Collision Checking</a:t>
               </a:r>
               <a:endParaRPr lang="en-US" altLang="en-US">
                 <a:latin typeface="Ubuntu" panose="020B0604030602030204" charset="0"/>
@@ -10773,117 +10597,573 @@
             </a:p>
           </p:txBody>
         </p:sp>
-      </p:grpSp>
-      <p:cxnSp>
-        <p:nvCxnSpPr>
-          <p:cNvPr id="14" name="Straight Arrow Connector 13"/>
-          <p:cNvCxnSpPr/>
-          <p:nvPr/>
-        </p:nvCxnSpPr>
-        <p:spPr>
-          <a:xfrm>
-            <a:off x="5845175" y="1780540"/>
-            <a:ext cx="1485265" cy="7620"/>
-          </a:xfrm>
-          <a:prstGeom prst="straightConnector1">
-            <a:avLst/>
-          </a:prstGeom>
-          <a:ln w="19050">
-            <a:solidFill>
-              <a:schemeClr val="tx1"/>
-            </a:solidFill>
-            <a:tailEnd type="arrow"/>
-          </a:ln>
-        </p:spPr>
-        <p:style>
-          <a:lnRef idx="1">
-            <a:schemeClr val="accent1"/>
-          </a:lnRef>
-          <a:fillRef idx="0">
-            <a:schemeClr val="accent1"/>
-          </a:fillRef>
-          <a:effectRef idx="0">
-            <a:schemeClr val="accent1"/>
-          </a:effectRef>
-          <a:fontRef idx="minor">
-            <a:schemeClr val="tx1"/>
-          </a:fontRef>
-        </p:style>
-      </p:cxnSp>
-      <p:grpSp>
-        <p:nvGrpSpPr>
-          <p:cNvPr id="15" name="Group 14"/>
-          <p:cNvGrpSpPr/>
-          <p:nvPr/>
-        </p:nvGrpSpPr>
-        <p:grpSpPr>
-          <a:xfrm>
-            <a:off x="1520190" y="690880"/>
-            <a:ext cx="2936240" cy="838200"/>
-            <a:chOff x="11640" y="2408"/>
-            <a:chExt cx="4173" cy="1320"/>
-          </a:xfrm>
-        </p:grpSpPr>
-        <p:sp>
-          <p:nvSpPr>
-            <p:cNvPr id="16" name="Rounded Rectangle 15"/>
-            <p:cNvSpPr/>
+        <p:grpSp>
+          <p:nvGrpSpPr>
+            <p:cNvPr id="10" name="Group 9"/>
+            <p:cNvGrpSpPr/>
             <p:nvPr/>
-          </p:nvSpPr>
+          </p:nvGrpSpPr>
+          <p:grpSpPr>
+            <a:xfrm>
+              <a:off x="6813" y="2927"/>
+              <a:ext cx="1986" cy="770"/>
+              <a:chOff x="6583" y="1319"/>
+              <a:chExt cx="1986" cy="770"/>
+            </a:xfrm>
+          </p:grpSpPr>
+          <p:sp>
+            <p:nvSpPr>
+              <p:cNvPr id="8" name="Rectangle 7"/>
+              <p:cNvSpPr/>
+              <p:nvPr/>
+            </p:nvSpPr>
+            <p:spPr>
+              <a:xfrm>
+                <a:off x="6583" y="1319"/>
+                <a:ext cx="1986" cy="770"/>
+              </a:xfrm>
+              <a:prstGeom prst="rect">
+                <a:avLst/>
+              </a:prstGeom>
+              <a:solidFill>
+                <a:schemeClr val="bg1"/>
+              </a:solidFill>
+              <a:ln>
+                <a:solidFill>
+                  <a:schemeClr val="tx1"/>
+                </a:solidFill>
+              </a:ln>
+            </p:spPr>
+            <p:style>
+              <a:lnRef idx="2">
+                <a:schemeClr val="accent1">
+                  <a:shade val="50000"/>
+                </a:schemeClr>
+              </a:lnRef>
+              <a:fillRef idx="1">
+                <a:schemeClr val="accent1"/>
+              </a:fillRef>
+              <a:effectRef idx="0">
+                <a:schemeClr val="accent1"/>
+              </a:effectRef>
+              <a:fontRef idx="minor">
+                <a:schemeClr val="lt1"/>
+              </a:fontRef>
+            </p:style>
+            <p:txBody>
+              <a:bodyPr rtlCol="0" anchor="ctr"/>
+              <a:p>
+                <a:pPr algn="ctr"/>
+                <a:endParaRPr lang="en-US"/>
+              </a:p>
+            </p:txBody>
+          </p:sp>
+          <p:sp>
+            <p:nvSpPr>
+              <p:cNvPr id="9" name="Text Box 8"/>
+              <p:cNvSpPr txBox="1"/>
+              <p:nvPr/>
+            </p:nvSpPr>
+            <p:spPr>
+              <a:xfrm>
+                <a:off x="6595" y="1402"/>
+                <a:ext cx="1972" cy="580"/>
+              </a:xfrm>
+              <a:prstGeom prst="rect">
+                <a:avLst/>
+              </a:prstGeom>
+              <a:noFill/>
+            </p:spPr>
+            <p:txBody>
+              <a:bodyPr wrap="none" rtlCol="0">
+                <a:spAutoFit/>
+              </a:bodyPr>
+              <a:p>
+                <a:r>
+                  <a:rPr lang="en-US" altLang="en-US">
+                    <a:latin typeface="Ubuntu" panose="020B0604030602030204" charset="0"/>
+                    <a:cs typeface="Ubuntu" panose="020B0604030602030204" charset="0"/>
+                  </a:rPr>
+                  <a:t>New node</a:t>
+                </a:r>
+                <a:endParaRPr lang="en-US" altLang="en-US">
+                  <a:latin typeface="Ubuntu" panose="020B0604030602030204" charset="0"/>
+                  <a:cs typeface="Ubuntu" panose="020B0604030602030204" charset="0"/>
+                </a:endParaRPr>
+              </a:p>
+            </p:txBody>
+          </p:sp>
+        </p:grpSp>
+        <p:cxnSp>
+          <p:nvCxnSpPr>
+            <p:cNvPr id="11" name="Straight Arrow Connector 10"/>
+            <p:cNvCxnSpPr>
+              <a:stCxn id="8" idx="2"/>
+              <a:endCxn id="7" idx="0"/>
+            </p:cNvCxnSpPr>
+            <p:nvPr/>
+          </p:nvCxnSpPr>
           <p:spPr>
             <a:xfrm>
-              <a:off x="11640" y="2408"/>
-              <a:ext cx="4173" cy="1320"/>
+              <a:off x="7806" y="3697"/>
+              <a:ext cx="0" cy="839"/>
             </a:xfrm>
-            <a:prstGeom prst="roundRect">
+            <a:prstGeom prst="straightConnector1">
               <a:avLst/>
             </a:prstGeom>
-            <a:solidFill>
-              <a:schemeClr val="bg1"/>
-            </a:solidFill>
             <a:ln w="19050">
               <a:solidFill>
                 <a:schemeClr val="tx1"/>
               </a:solidFill>
+              <a:tailEnd type="arrow"/>
             </a:ln>
           </p:spPr>
           <p:style>
-            <a:lnRef idx="2">
-              <a:schemeClr val="accent1">
-                <a:shade val="50000"/>
-              </a:schemeClr>
+            <a:lnRef idx="1">
+              <a:schemeClr val="accent1"/>
             </a:lnRef>
-            <a:fillRef idx="1">
+            <a:fillRef idx="0">
               <a:schemeClr val="accent1"/>
             </a:fillRef>
             <a:effectRef idx="0">
               <a:schemeClr val="accent1"/>
             </a:effectRef>
             <a:fontRef idx="minor">
-              <a:schemeClr val="lt1"/>
+              <a:schemeClr val="tx1"/>
             </a:fontRef>
           </p:style>
-          <p:txBody>
-            <a:bodyPr rtlCol="0" anchor="ctr"/>
-            <a:p>
-              <a:pPr algn="ctr"/>
-              <a:endParaRPr lang="en-US" i="1">
-                <a:latin typeface="Ubuntu" panose="020B0604030602030204" charset="0"/>
-                <a:cs typeface="Ubuntu" panose="020B0604030602030204" charset="0"/>
-              </a:endParaRPr>
-            </a:p>
-          </p:txBody>
-        </p:sp>
+        </p:cxnSp>
+        <p:grpSp>
+          <p:nvGrpSpPr>
+            <p:cNvPr id="13" name="Group 12"/>
+            <p:cNvGrpSpPr/>
+            <p:nvPr/>
+          </p:nvGrpSpPr>
+          <p:grpSpPr>
+            <a:xfrm>
+              <a:off x="11201" y="2640"/>
+              <a:ext cx="4173" cy="1320"/>
+              <a:chOff x="11706" y="2408"/>
+              <a:chExt cx="4173" cy="1320"/>
+            </a:xfrm>
+          </p:grpSpPr>
+          <p:sp>
+            <p:nvSpPr>
+              <p:cNvPr id="6" name="Rounded Rectangle 5"/>
+              <p:cNvSpPr/>
+              <p:nvPr/>
+            </p:nvSpPr>
+            <p:spPr>
+              <a:xfrm>
+                <a:off x="11706" y="2408"/>
+                <a:ext cx="4173" cy="1320"/>
+              </a:xfrm>
+              <a:prstGeom prst="roundRect">
+                <a:avLst/>
+              </a:prstGeom>
+              <a:solidFill>
+                <a:schemeClr val="bg1"/>
+              </a:solidFill>
+              <a:ln w="19050">
+                <a:solidFill>
+                  <a:schemeClr val="tx1"/>
+                </a:solidFill>
+              </a:ln>
+            </p:spPr>
+            <p:style>
+              <a:lnRef idx="2">
+                <a:schemeClr val="accent1">
+                  <a:shade val="50000"/>
+                </a:schemeClr>
+              </a:lnRef>
+              <a:fillRef idx="1">
+                <a:schemeClr val="accent1"/>
+              </a:fillRef>
+              <a:effectRef idx="0">
+                <a:schemeClr val="accent1"/>
+              </a:effectRef>
+              <a:fontRef idx="minor">
+                <a:schemeClr val="lt1"/>
+              </a:fontRef>
+            </p:style>
+            <p:txBody>
+              <a:bodyPr rtlCol="0" anchor="ctr"/>
+              <a:p>
+                <a:pPr algn="ctr"/>
+                <a:endParaRPr lang="en-US" i="1">
+                  <a:latin typeface="Ubuntu" panose="020B0604030602030204" charset="0"/>
+                  <a:cs typeface="Ubuntu" panose="020B0604030602030204" charset="0"/>
+                </a:endParaRPr>
+              </a:p>
+            </p:txBody>
+          </p:sp>
+          <p:sp>
+            <p:nvSpPr>
+              <p:cNvPr id="12" name="Text Box 11"/>
+              <p:cNvSpPr txBox="1"/>
+              <p:nvPr/>
+            </p:nvSpPr>
+            <p:spPr>
+              <a:xfrm>
+                <a:off x="11897" y="2560"/>
+                <a:ext cx="3659" cy="1016"/>
+              </a:xfrm>
+              <a:prstGeom prst="rect">
+                <a:avLst/>
+              </a:prstGeom>
+              <a:noFill/>
+            </p:spPr>
+            <p:txBody>
+              <a:bodyPr wrap="square" rtlCol="0">
+                <a:spAutoFit/>
+              </a:bodyPr>
+              <a:p>
+                <a:r>
+                  <a:rPr lang="en-US" altLang="en-US">
+                    <a:latin typeface="Ubuntu" panose="020B0604030602030204" charset="0"/>
+                    <a:cs typeface="Ubuntu" panose="020B0604030602030204" charset="0"/>
+                  </a:rPr>
+                  <a:t>Generate a Reeds-Shepp curve to goal</a:t>
+                </a:r>
+                <a:endParaRPr lang="en-US" altLang="en-US">
+                  <a:latin typeface="Ubuntu" panose="020B0604030602030204" charset="0"/>
+                  <a:cs typeface="Ubuntu" panose="020B0604030602030204" charset="0"/>
+                </a:endParaRPr>
+              </a:p>
+            </p:txBody>
+          </p:sp>
+        </p:grpSp>
+        <p:cxnSp>
+          <p:nvCxnSpPr>
+            <p:cNvPr id="14" name="Straight Arrow Connector 13"/>
+            <p:cNvCxnSpPr>
+              <a:stCxn id="9" idx="3"/>
+              <a:endCxn id="6" idx="1"/>
+            </p:cNvCxnSpPr>
+            <p:nvPr/>
+          </p:nvCxnSpPr>
+          <p:spPr>
+            <a:xfrm>
+              <a:off x="8797" y="3300"/>
+              <a:ext cx="2404" cy="0"/>
+            </a:xfrm>
+            <a:prstGeom prst="straightConnector1">
+              <a:avLst/>
+            </a:prstGeom>
+            <a:ln w="19050">
+              <a:solidFill>
+                <a:schemeClr val="tx1"/>
+              </a:solidFill>
+              <a:tailEnd type="arrow"/>
+            </a:ln>
+          </p:spPr>
+          <p:style>
+            <a:lnRef idx="1">
+              <a:schemeClr val="accent1"/>
+            </a:lnRef>
+            <a:fillRef idx="0">
+              <a:schemeClr val="accent1"/>
+            </a:fillRef>
+            <a:effectRef idx="0">
+              <a:schemeClr val="accent1"/>
+            </a:effectRef>
+            <a:fontRef idx="minor">
+              <a:schemeClr val="tx1"/>
+            </a:fontRef>
+          </p:style>
+        </p:cxnSp>
+        <p:grpSp>
+          <p:nvGrpSpPr>
+            <p:cNvPr id="15" name="Group 14"/>
+            <p:cNvGrpSpPr/>
+            <p:nvPr/>
+          </p:nvGrpSpPr>
+          <p:grpSpPr>
+            <a:xfrm>
+              <a:off x="520" y="2651"/>
+              <a:ext cx="4624" cy="1320"/>
+              <a:chOff x="11640" y="2408"/>
+              <a:chExt cx="4173" cy="1320"/>
+            </a:xfrm>
+          </p:grpSpPr>
+          <p:sp>
+            <p:nvSpPr>
+              <p:cNvPr id="16" name="Rounded Rectangle 15"/>
+              <p:cNvSpPr/>
+              <p:nvPr/>
+            </p:nvSpPr>
+            <p:spPr>
+              <a:xfrm>
+                <a:off x="11640" y="2408"/>
+                <a:ext cx="4173" cy="1320"/>
+              </a:xfrm>
+              <a:prstGeom prst="roundRect">
+                <a:avLst/>
+              </a:prstGeom>
+              <a:solidFill>
+                <a:schemeClr val="bg1"/>
+              </a:solidFill>
+              <a:ln w="19050">
+                <a:solidFill>
+                  <a:schemeClr val="tx1"/>
+                </a:solidFill>
+              </a:ln>
+            </p:spPr>
+            <p:style>
+              <a:lnRef idx="2">
+                <a:schemeClr val="accent1">
+                  <a:shade val="50000"/>
+                </a:schemeClr>
+              </a:lnRef>
+              <a:fillRef idx="1">
+                <a:schemeClr val="accent1"/>
+              </a:fillRef>
+              <a:effectRef idx="0">
+                <a:schemeClr val="accent1"/>
+              </a:effectRef>
+              <a:fontRef idx="minor">
+                <a:schemeClr val="lt1"/>
+              </a:fontRef>
+            </p:style>
+            <p:txBody>
+              <a:bodyPr rtlCol="0" anchor="ctr"/>
+              <a:p>
+                <a:pPr algn="ctr"/>
+                <a:endParaRPr lang="en-US" i="1">
+                  <a:latin typeface="Ubuntu" panose="020B0604030602030204" charset="0"/>
+                  <a:cs typeface="Ubuntu" panose="020B0604030602030204" charset="0"/>
+                </a:endParaRPr>
+              </a:p>
+            </p:txBody>
+          </p:sp>
+          <p:sp>
+            <p:nvSpPr>
+              <p:cNvPr id="17" name="Text Box 16"/>
+              <p:cNvSpPr txBox="1"/>
+              <p:nvPr/>
+            </p:nvSpPr>
+            <p:spPr>
+              <a:xfrm>
+                <a:off x="11897" y="2560"/>
+                <a:ext cx="3659" cy="1016"/>
+              </a:xfrm>
+              <a:prstGeom prst="rect">
+                <a:avLst/>
+              </a:prstGeom>
+              <a:noFill/>
+            </p:spPr>
+            <p:txBody>
+              <a:bodyPr wrap="square" rtlCol="0">
+                <a:spAutoFit/>
+              </a:bodyPr>
+              <a:p>
+                <a:r>
+                  <a:rPr lang="en-US" altLang="en-US">
+                    <a:latin typeface="Ubuntu" panose="020B0604030602030204" charset="0"/>
+                    <a:cs typeface="Ubuntu" panose="020B0604030602030204" charset="0"/>
+                  </a:rPr>
+                  <a:t>Create successor from discrete manuver sets</a:t>
+                </a:r>
+                <a:endParaRPr lang="en-US" altLang="en-US">
+                  <a:latin typeface="Ubuntu" panose="020B0604030602030204" charset="0"/>
+                  <a:cs typeface="Ubuntu" panose="020B0604030602030204" charset="0"/>
+                </a:endParaRPr>
+              </a:p>
+            </p:txBody>
+          </p:sp>
+        </p:grpSp>
+        <p:cxnSp>
+          <p:nvCxnSpPr>
+            <p:cNvPr id="2" name="Straight Arrow Connector 1"/>
+            <p:cNvCxnSpPr>
+              <a:stCxn id="16" idx="3"/>
+              <a:endCxn id="9" idx="1"/>
+            </p:cNvCxnSpPr>
+            <p:nvPr/>
+          </p:nvCxnSpPr>
+          <p:spPr>
+            <a:xfrm flipV="1">
+              <a:off x="5144" y="3300"/>
+              <a:ext cx="1681" cy="11"/>
+            </a:xfrm>
+            <a:prstGeom prst="straightConnector1">
+              <a:avLst/>
+            </a:prstGeom>
+            <a:ln w="19050">
+              <a:solidFill>
+                <a:schemeClr val="tx1"/>
+              </a:solidFill>
+              <a:tailEnd type="arrow"/>
+            </a:ln>
+          </p:spPr>
+          <p:style>
+            <a:lnRef idx="1">
+              <a:schemeClr val="accent1"/>
+            </a:lnRef>
+            <a:fillRef idx="0">
+              <a:schemeClr val="accent1"/>
+            </a:fillRef>
+            <a:effectRef idx="0">
+              <a:schemeClr val="accent1"/>
+            </a:effectRef>
+            <a:fontRef idx="minor">
+              <a:schemeClr val="tx1"/>
+            </a:fontRef>
+          </p:style>
+        </p:cxnSp>
+        <p:cxnSp>
+          <p:nvCxnSpPr>
+            <p:cNvPr id="3" name="Straight Arrow Connector 2"/>
+            <p:cNvCxnSpPr>
+              <a:stCxn id="7" idx="2"/>
+              <a:endCxn id="4" idx="0"/>
+            </p:cNvCxnSpPr>
+            <p:nvPr/>
+          </p:nvCxnSpPr>
+          <p:spPr>
+            <a:xfrm>
+              <a:off x="7806" y="6192"/>
+              <a:ext cx="14" cy="657"/>
+            </a:xfrm>
+            <a:prstGeom prst="straightConnector1">
+              <a:avLst/>
+            </a:prstGeom>
+            <a:ln w="19050">
+              <a:solidFill>
+                <a:schemeClr val="tx1"/>
+              </a:solidFill>
+              <a:tailEnd type="arrow"/>
+            </a:ln>
+          </p:spPr>
+          <p:style>
+            <a:lnRef idx="1">
+              <a:schemeClr val="accent1"/>
+            </a:lnRef>
+            <a:fillRef idx="0">
+              <a:schemeClr val="accent1"/>
+            </a:fillRef>
+            <a:effectRef idx="0">
+              <a:schemeClr val="accent1"/>
+            </a:effectRef>
+            <a:fontRef idx="minor">
+              <a:schemeClr val="tx1"/>
+            </a:fontRef>
+          </p:style>
+        </p:cxnSp>
+        <p:grpSp>
+          <p:nvGrpSpPr>
+            <p:cNvPr id="19" name="Group 18"/>
+            <p:cNvGrpSpPr/>
+            <p:nvPr/>
+          </p:nvGrpSpPr>
+          <p:grpSpPr>
+            <a:xfrm>
+              <a:off x="5480" y="6849"/>
+              <a:ext cx="4680" cy="1656"/>
+              <a:chOff x="5438" y="7361"/>
+              <a:chExt cx="4680" cy="1656"/>
+            </a:xfrm>
+          </p:grpSpPr>
+          <p:sp>
+            <p:nvSpPr>
+              <p:cNvPr id="4" name="Diamond 3"/>
+              <p:cNvSpPr/>
+              <p:nvPr/>
+            </p:nvSpPr>
+            <p:spPr>
+              <a:xfrm>
+                <a:off x="5438" y="7361"/>
+                <a:ext cx="4680" cy="1656"/>
+              </a:xfrm>
+              <a:prstGeom prst="diamond">
+                <a:avLst/>
+              </a:prstGeom>
+              <a:solidFill>
+                <a:schemeClr val="bg1"/>
+              </a:solidFill>
+              <a:ln>
+                <a:solidFill>
+                  <a:schemeClr val="tx1"/>
+                </a:solidFill>
+              </a:ln>
+            </p:spPr>
+            <p:style>
+              <a:lnRef idx="2">
+                <a:schemeClr val="accent1">
+                  <a:shade val="50000"/>
+                </a:schemeClr>
+              </a:lnRef>
+              <a:fillRef idx="1">
+                <a:schemeClr val="accent1"/>
+              </a:fillRef>
+              <a:effectRef idx="0">
+                <a:schemeClr val="accent1"/>
+              </a:effectRef>
+              <a:fontRef idx="minor">
+                <a:schemeClr val="lt1"/>
+              </a:fontRef>
+            </p:style>
+            <p:txBody>
+              <a:bodyPr rtlCol="0" anchor="ctr"/>
+              <a:p>
+                <a:pPr algn="ctr"/>
+                <a:endParaRPr lang="en-US"/>
+              </a:p>
+            </p:txBody>
+          </p:sp>
+          <p:sp>
+            <p:nvSpPr>
+              <p:cNvPr id="18" name="Text Box 17"/>
+              <p:cNvSpPr txBox="1"/>
+              <p:nvPr/>
+            </p:nvSpPr>
+            <p:spPr>
+              <a:xfrm>
+                <a:off x="6406" y="7899"/>
+                <a:ext cx="3537" cy="580"/>
+              </a:xfrm>
+              <a:prstGeom prst="rect">
+                <a:avLst/>
+              </a:prstGeom>
+              <a:noFill/>
+            </p:spPr>
+            <p:txBody>
+              <a:bodyPr wrap="square" rtlCol="0">
+                <a:spAutoFit/>
+              </a:bodyPr>
+              <a:p>
+                <a:r>
+                  <a:rPr lang="" altLang="en-US">
+                    <a:latin typeface="Ubuntu" panose="020B0604030602030204" charset="0"/>
+                    <a:cs typeface="Ubuntu" panose="020B0604030602030204" charset="0"/>
+                  </a:rPr>
+                  <a:t>Goal </a:t>
+                </a:r>
+                <a:r>
+                  <a:rPr lang="en-US" altLang="en-US">
+                    <a:latin typeface="Ubuntu" panose="020B0604030602030204" charset="0"/>
+                    <a:cs typeface="Ubuntu" panose="020B0604030602030204" charset="0"/>
+                  </a:rPr>
+                  <a:t>Checking</a:t>
+                </a:r>
+                <a:endParaRPr lang="en-US" altLang="en-US">
+                  <a:latin typeface="Ubuntu" panose="020B0604030602030204" charset="0"/>
+                  <a:cs typeface="Ubuntu" panose="020B0604030602030204" charset="0"/>
+                </a:endParaRPr>
+              </a:p>
+            </p:txBody>
+          </p:sp>
+        </p:grpSp>
         <p:sp>
           <p:nvSpPr>
-            <p:cNvPr id="17" name="Text Box 16"/>
+            <p:cNvPr id="20" name="Text Box 19"/>
             <p:cNvSpPr txBox="1"/>
             <p:nvPr/>
           </p:nvSpPr>
           <p:spPr>
             <a:xfrm>
-              <a:off x="11897" y="2560"/>
-              <a:ext cx="3659" cy="1016"/>
+              <a:off x="7820" y="6192"/>
+              <a:ext cx="1320" cy="580"/>
             </a:xfrm>
             <a:prstGeom prst="rect">
               <a:avLst/>
@@ -10896,13 +11176,694 @@
             </a:bodyPr>
             <a:p>
               <a:r>
-                <a:rPr lang="en-US" altLang="en-US">
+                <a:rPr lang="" altLang="en-US">
                   <a:latin typeface="Ubuntu" panose="020B0604030602030204" charset="0"/>
                   <a:cs typeface="Ubuntu" panose="020B0604030602030204" charset="0"/>
                 </a:rPr>
-                <a:t>Create successor from discrete manuver sets</a:t>
+                <a:t>Free</a:t>
               </a:r>
-              <a:endParaRPr lang="en-US" altLang="en-US">
+              <a:endParaRPr lang="" altLang="en-US">
+                <a:latin typeface="Ubuntu" panose="020B0604030602030204" charset="0"/>
+                <a:cs typeface="Ubuntu" panose="020B0604030602030204" charset="0"/>
+              </a:endParaRPr>
+            </a:p>
+          </p:txBody>
+        </p:sp>
+        <p:grpSp>
+          <p:nvGrpSpPr>
+            <p:cNvPr id="21" name="Group 20"/>
+            <p:cNvGrpSpPr/>
+            <p:nvPr/>
+          </p:nvGrpSpPr>
+          <p:grpSpPr>
+            <a:xfrm>
+              <a:off x="1402" y="7270"/>
+              <a:ext cx="2839" cy="813"/>
+              <a:chOff x="11640" y="2408"/>
+              <a:chExt cx="4173" cy="1320"/>
+            </a:xfrm>
+          </p:grpSpPr>
+          <p:sp>
+            <p:nvSpPr>
+              <p:cNvPr id="22" name="Rounded Rectangle 21"/>
+              <p:cNvSpPr/>
+              <p:nvPr/>
+            </p:nvSpPr>
+            <p:spPr>
+              <a:xfrm>
+                <a:off x="11640" y="2408"/>
+                <a:ext cx="4173" cy="1320"/>
+              </a:xfrm>
+              <a:prstGeom prst="roundRect">
+                <a:avLst/>
+              </a:prstGeom>
+              <a:solidFill>
+                <a:schemeClr val="bg1"/>
+              </a:solidFill>
+              <a:ln w="19050">
+                <a:solidFill>
+                  <a:schemeClr val="tx1"/>
+                </a:solidFill>
+              </a:ln>
+            </p:spPr>
+            <p:style>
+              <a:lnRef idx="2">
+                <a:schemeClr val="accent1">
+                  <a:shade val="50000"/>
+                </a:schemeClr>
+              </a:lnRef>
+              <a:fillRef idx="1">
+                <a:schemeClr val="accent1"/>
+              </a:fillRef>
+              <a:effectRef idx="0">
+                <a:schemeClr val="accent1"/>
+              </a:effectRef>
+              <a:fontRef idx="minor">
+                <a:schemeClr val="lt1"/>
+              </a:fontRef>
+            </p:style>
+            <p:txBody>
+              <a:bodyPr rtlCol="0" anchor="ctr"/>
+              <a:p>
+                <a:pPr algn="ctr"/>
+                <a:endParaRPr lang="en-US" i="1">
+                  <a:latin typeface="Ubuntu" panose="020B0604030602030204" charset="0"/>
+                  <a:cs typeface="Ubuntu" panose="020B0604030602030204" charset="0"/>
+                </a:endParaRPr>
+              </a:p>
+            </p:txBody>
+          </p:sp>
+          <p:sp>
+            <p:nvSpPr>
+              <p:cNvPr id="23" name="Text Box 22"/>
+              <p:cNvSpPr txBox="1"/>
+              <p:nvPr/>
+            </p:nvSpPr>
+            <p:spPr>
+              <a:xfrm>
+                <a:off x="12154" y="2598"/>
+                <a:ext cx="3659" cy="942"/>
+              </a:xfrm>
+              <a:prstGeom prst="rect">
+                <a:avLst/>
+              </a:prstGeom>
+              <a:noFill/>
+            </p:spPr>
+            <p:txBody>
+              <a:bodyPr wrap="square" rtlCol="0">
+                <a:spAutoFit/>
+              </a:bodyPr>
+              <a:p>
+                <a:r>
+                  <a:rPr lang="" altLang="en-US">
+                    <a:latin typeface="Ubuntu" panose="020B0604030602030204" charset="0"/>
+                    <a:cs typeface="Ubuntu" panose="020B0604030602030204" charset="0"/>
+                  </a:rPr>
+                  <a:t>A* search</a:t>
+                </a:r>
+                <a:endParaRPr lang="" altLang="en-US">
+                  <a:latin typeface="Ubuntu" panose="020B0604030602030204" charset="0"/>
+                  <a:cs typeface="Ubuntu" panose="020B0604030602030204" charset="0"/>
+                </a:endParaRPr>
+              </a:p>
+            </p:txBody>
+          </p:sp>
+        </p:grpSp>
+        <p:cxnSp>
+          <p:nvCxnSpPr>
+            <p:cNvPr id="24" name="Straight Arrow Connector 23"/>
+            <p:cNvCxnSpPr>
+              <a:stCxn id="4" idx="1"/>
+              <a:endCxn id="22" idx="3"/>
+            </p:cNvCxnSpPr>
+            <p:nvPr/>
+          </p:nvCxnSpPr>
+          <p:spPr>
+            <a:xfrm flipH="1">
+              <a:off x="4241" y="7677"/>
+              <a:ext cx="1239" cy="0"/>
+            </a:xfrm>
+            <a:prstGeom prst="straightConnector1">
+              <a:avLst/>
+            </a:prstGeom>
+            <a:ln w="19050">
+              <a:solidFill>
+                <a:schemeClr val="tx1"/>
+              </a:solidFill>
+              <a:tailEnd type="arrow"/>
+            </a:ln>
+          </p:spPr>
+          <p:style>
+            <a:lnRef idx="1">
+              <a:schemeClr val="accent1"/>
+            </a:lnRef>
+            <a:fillRef idx="0">
+              <a:schemeClr val="accent1"/>
+            </a:fillRef>
+            <a:effectRef idx="0">
+              <a:schemeClr val="accent1"/>
+            </a:effectRef>
+            <a:fontRef idx="minor">
+              <a:schemeClr val="tx1"/>
+            </a:fontRef>
+          </p:style>
+        </p:cxnSp>
+        <p:sp>
+          <p:nvSpPr>
+            <p:cNvPr id="25" name="Text Box 24"/>
+            <p:cNvSpPr txBox="1"/>
+            <p:nvPr/>
+          </p:nvSpPr>
+          <p:spPr>
+            <a:xfrm>
+              <a:off x="4355" y="7097"/>
+              <a:ext cx="1320" cy="580"/>
+            </a:xfrm>
+            <a:prstGeom prst="rect">
+              <a:avLst/>
+            </a:prstGeom>
+            <a:noFill/>
+          </p:spPr>
+          <p:txBody>
+            <a:bodyPr wrap="square" rtlCol="0">
+              <a:spAutoFit/>
+            </a:bodyPr>
+            <a:p>
+              <a:r>
+                <a:rPr lang="" altLang="en-US">
+                  <a:latin typeface="Ubuntu" panose="020B0604030602030204" charset="0"/>
+                  <a:cs typeface="Ubuntu" panose="020B0604030602030204" charset="0"/>
+                </a:rPr>
+                <a:t>false</a:t>
+              </a:r>
+              <a:endParaRPr lang="" altLang="en-US">
+                <a:latin typeface="Ubuntu" panose="020B0604030602030204" charset="0"/>
+                <a:cs typeface="Ubuntu" panose="020B0604030602030204" charset="0"/>
+              </a:endParaRPr>
+            </a:p>
+          </p:txBody>
+        </p:sp>
+        <p:sp>
+          <p:nvSpPr>
+            <p:cNvPr id="26" name="Text Box 25"/>
+            <p:cNvSpPr txBox="1"/>
+            <p:nvPr/>
+          </p:nvSpPr>
+          <p:spPr>
+            <a:xfrm>
+              <a:off x="7795" y="8529"/>
+              <a:ext cx="1320" cy="580"/>
+            </a:xfrm>
+            <a:prstGeom prst="rect">
+              <a:avLst/>
+            </a:prstGeom>
+            <a:noFill/>
+          </p:spPr>
+          <p:txBody>
+            <a:bodyPr wrap="square" rtlCol="0">
+              <a:spAutoFit/>
+            </a:bodyPr>
+            <a:p>
+              <a:r>
+                <a:rPr lang="" altLang="en-US">
+                  <a:latin typeface="Ubuntu" panose="020B0604030602030204" charset="0"/>
+                  <a:cs typeface="Ubuntu" panose="020B0604030602030204" charset="0"/>
+                </a:rPr>
+                <a:t>true</a:t>
+              </a:r>
+              <a:endParaRPr lang="" altLang="en-US">
+                <a:latin typeface="Ubuntu" panose="020B0604030602030204" charset="0"/>
+                <a:cs typeface="Ubuntu" panose="020B0604030602030204" charset="0"/>
+              </a:endParaRPr>
+            </a:p>
+          </p:txBody>
+        </p:sp>
+        <p:cxnSp>
+          <p:nvCxnSpPr>
+            <p:cNvPr id="27" name="Straight Arrow Connector 26"/>
+            <p:cNvCxnSpPr>
+              <a:stCxn id="4" idx="2"/>
+              <a:endCxn id="29" idx="0"/>
+            </p:cNvCxnSpPr>
+            <p:nvPr/>
+          </p:nvCxnSpPr>
+          <p:spPr>
+            <a:xfrm>
+              <a:off x="7820" y="8505"/>
+              <a:ext cx="23" cy="692"/>
+            </a:xfrm>
+            <a:prstGeom prst="straightConnector1">
+              <a:avLst/>
+            </a:prstGeom>
+            <a:ln w="19050">
+              <a:solidFill>
+                <a:schemeClr val="tx1"/>
+              </a:solidFill>
+              <a:tailEnd type="arrow"/>
+            </a:ln>
+          </p:spPr>
+          <p:style>
+            <a:lnRef idx="1">
+              <a:schemeClr val="accent1"/>
+            </a:lnRef>
+            <a:fillRef idx="0">
+              <a:schemeClr val="accent1"/>
+            </a:fillRef>
+            <a:effectRef idx="0">
+              <a:schemeClr val="accent1"/>
+            </a:effectRef>
+            <a:fontRef idx="minor">
+              <a:schemeClr val="tx1"/>
+            </a:fontRef>
+          </p:style>
+        </p:cxnSp>
+        <p:grpSp>
+          <p:nvGrpSpPr>
+            <p:cNvPr id="28" name="Group 27"/>
+            <p:cNvGrpSpPr/>
+            <p:nvPr/>
+          </p:nvGrpSpPr>
+          <p:grpSpPr>
+            <a:xfrm>
+              <a:off x="5370" y="9197"/>
+              <a:ext cx="4945" cy="1320"/>
+              <a:chOff x="11640" y="2408"/>
+              <a:chExt cx="4173" cy="1320"/>
+            </a:xfrm>
+          </p:grpSpPr>
+          <p:sp>
+            <p:nvSpPr>
+              <p:cNvPr id="29" name="Rounded Rectangle 28"/>
+              <p:cNvSpPr/>
+              <p:nvPr/>
+            </p:nvSpPr>
+            <p:spPr>
+              <a:xfrm>
+                <a:off x="11640" y="2408"/>
+                <a:ext cx="4173" cy="1320"/>
+              </a:xfrm>
+              <a:prstGeom prst="roundRect">
+                <a:avLst/>
+              </a:prstGeom>
+              <a:solidFill>
+                <a:schemeClr val="bg1"/>
+              </a:solidFill>
+              <a:ln w="19050">
+                <a:solidFill>
+                  <a:schemeClr val="tx1"/>
+                </a:solidFill>
+              </a:ln>
+            </p:spPr>
+            <p:style>
+              <a:lnRef idx="2">
+                <a:schemeClr val="accent1">
+                  <a:shade val="50000"/>
+                </a:schemeClr>
+              </a:lnRef>
+              <a:fillRef idx="1">
+                <a:schemeClr val="accent1"/>
+              </a:fillRef>
+              <a:effectRef idx="0">
+                <a:schemeClr val="accent1"/>
+              </a:effectRef>
+              <a:fontRef idx="minor">
+                <a:schemeClr val="lt1"/>
+              </a:fontRef>
+            </p:style>
+            <p:txBody>
+              <a:bodyPr rtlCol="0" anchor="ctr"/>
+              <a:p>
+                <a:pPr algn="ctr"/>
+                <a:endParaRPr lang="en-US" i="1">
+                  <a:latin typeface="Ubuntu" panose="020B0604030602030204" charset="0"/>
+                  <a:cs typeface="Ubuntu" panose="020B0604030602030204" charset="0"/>
+                </a:endParaRPr>
+              </a:p>
+            </p:txBody>
+          </p:sp>
+          <p:sp>
+            <p:nvSpPr>
+              <p:cNvPr id="30" name="Text Box 29"/>
+              <p:cNvSpPr txBox="1"/>
+              <p:nvPr/>
+            </p:nvSpPr>
+            <p:spPr>
+              <a:xfrm>
+                <a:off x="11897" y="2560"/>
+                <a:ext cx="3659" cy="1016"/>
+              </a:xfrm>
+              <a:prstGeom prst="rect">
+                <a:avLst/>
+              </a:prstGeom>
+              <a:noFill/>
+            </p:spPr>
+            <p:txBody>
+              <a:bodyPr wrap="square" rtlCol="0">
+                <a:spAutoFit/>
+              </a:bodyPr>
+              <a:p>
+                <a:r>
+                  <a:rPr lang="en-US" altLang="en-US">
+                    <a:latin typeface="Ubuntu" panose="020B0604030602030204" charset="0"/>
+                    <a:cs typeface="Ubuntu" panose="020B0604030602030204" charset="0"/>
+                  </a:rPr>
+                  <a:t>Generate a </a:t>
+                </a:r>
+                <a:r>
+                  <a:rPr lang="" altLang="en-US">
+                    <a:latin typeface="Ubuntu" panose="020B0604030602030204" charset="0"/>
+                    <a:cs typeface="Ubuntu" panose="020B0604030602030204" charset="0"/>
+                  </a:rPr>
+                  <a:t>trajectory with cusp</a:t>
+                </a:r>
+                <a:endParaRPr lang="" altLang="en-US">
+                  <a:latin typeface="Ubuntu" panose="020B0604030602030204" charset="0"/>
+                  <a:cs typeface="Ubuntu" panose="020B0604030602030204" charset="0"/>
+                </a:endParaRPr>
+              </a:p>
+            </p:txBody>
+          </p:sp>
+        </p:grpSp>
+        <p:grpSp>
+          <p:nvGrpSpPr>
+            <p:cNvPr id="33" name="Group 32"/>
+            <p:cNvGrpSpPr/>
+            <p:nvPr/>
+          </p:nvGrpSpPr>
+          <p:grpSpPr>
+            <a:xfrm>
+              <a:off x="11037" y="4767"/>
+              <a:ext cx="4516" cy="1192"/>
+              <a:chOff x="11640" y="2408"/>
+              <a:chExt cx="4173" cy="2682"/>
+            </a:xfrm>
+          </p:grpSpPr>
+          <p:sp>
+            <p:nvSpPr>
+              <p:cNvPr id="34" name="Rounded Rectangle 33"/>
+              <p:cNvSpPr/>
+              <p:nvPr/>
+            </p:nvSpPr>
+            <p:spPr>
+              <a:xfrm>
+                <a:off x="11640" y="2408"/>
+                <a:ext cx="4173" cy="2682"/>
+              </a:xfrm>
+              <a:prstGeom prst="roundRect">
+                <a:avLst/>
+              </a:prstGeom>
+              <a:solidFill>
+                <a:schemeClr val="bg1"/>
+              </a:solidFill>
+              <a:ln w="19050">
+                <a:solidFill>
+                  <a:schemeClr val="tx1"/>
+                </a:solidFill>
+              </a:ln>
+            </p:spPr>
+            <p:style>
+              <a:lnRef idx="2">
+                <a:schemeClr val="accent1">
+                  <a:shade val="50000"/>
+                </a:schemeClr>
+              </a:lnRef>
+              <a:fillRef idx="1">
+                <a:schemeClr val="accent1"/>
+              </a:fillRef>
+              <a:effectRef idx="0">
+                <a:schemeClr val="accent1"/>
+              </a:effectRef>
+              <a:fontRef idx="minor">
+                <a:schemeClr val="lt1"/>
+              </a:fontRef>
+            </p:style>
+            <p:txBody>
+              <a:bodyPr rtlCol="0" anchor="ctr"/>
+              <a:p>
+                <a:pPr algn="ctr"/>
+                <a:endParaRPr lang="en-US" i="1">
+                  <a:latin typeface="Ubuntu" panose="020B0604030602030204" charset="0"/>
+                  <a:cs typeface="Ubuntu" panose="020B0604030602030204" charset="0"/>
+                </a:endParaRPr>
+              </a:p>
+            </p:txBody>
+          </p:sp>
+          <p:sp>
+            <p:nvSpPr>
+              <p:cNvPr id="35" name="Text Box 34"/>
+              <p:cNvSpPr txBox="1"/>
+              <p:nvPr/>
+            </p:nvSpPr>
+            <p:spPr>
+              <a:xfrm>
+                <a:off x="11897" y="2598"/>
+                <a:ext cx="3659" cy="2286"/>
+              </a:xfrm>
+              <a:prstGeom prst="rect">
+                <a:avLst/>
+              </a:prstGeom>
+              <a:noFill/>
+            </p:spPr>
+            <p:txBody>
+              <a:bodyPr wrap="square" rtlCol="0">
+                <a:spAutoFit/>
+              </a:bodyPr>
+              <a:p>
+                <a:r>
+                  <a:rPr lang="" altLang="en-US">
+                    <a:latin typeface="Ubuntu" panose="020B0604030602030204" charset="0"/>
+                    <a:cs typeface="Ubuntu" panose="020B0604030602030204" charset="0"/>
+                  </a:rPr>
+                  <a:t>Collision checking on Reeds-Shepp curve</a:t>
+                </a:r>
+                <a:endParaRPr lang="" altLang="en-US">
+                  <a:latin typeface="Ubuntu" panose="020B0604030602030204" charset="0"/>
+                  <a:cs typeface="Ubuntu" panose="020B0604030602030204" charset="0"/>
+                </a:endParaRPr>
+              </a:p>
+            </p:txBody>
+          </p:sp>
+        </p:grpSp>
+        <p:cxnSp>
+          <p:nvCxnSpPr>
+            <p:cNvPr id="36" name="Straight Arrow Connector 35"/>
+            <p:cNvCxnSpPr>
+              <a:stCxn id="22" idx="0"/>
+              <a:endCxn id="16" idx="2"/>
+            </p:cNvCxnSpPr>
+            <p:nvPr/>
+          </p:nvCxnSpPr>
+          <p:spPr>
+            <a:xfrm flipV="1">
+              <a:off x="2822" y="3971"/>
+              <a:ext cx="10" cy="3299"/>
+            </a:xfrm>
+            <a:prstGeom prst="straightConnector1">
+              <a:avLst/>
+            </a:prstGeom>
+            <a:ln w="19050">
+              <a:solidFill>
+                <a:schemeClr val="tx1"/>
+              </a:solidFill>
+              <a:tailEnd type="arrow"/>
+            </a:ln>
+          </p:spPr>
+          <p:style>
+            <a:lnRef idx="1">
+              <a:schemeClr val="accent1"/>
+            </a:lnRef>
+            <a:fillRef idx="0">
+              <a:schemeClr val="accent1"/>
+            </a:fillRef>
+            <a:effectRef idx="0">
+              <a:schemeClr val="accent1"/>
+            </a:effectRef>
+            <a:fontRef idx="minor">
+              <a:schemeClr val="tx1"/>
+            </a:fontRef>
+          </p:style>
+        </p:cxnSp>
+        <p:cxnSp>
+          <p:nvCxnSpPr>
+            <p:cNvPr id="39" name="Straight Arrow Connector 38"/>
+            <p:cNvCxnSpPr>
+              <a:stCxn id="6" idx="2"/>
+              <a:endCxn id="34" idx="0"/>
+            </p:cNvCxnSpPr>
+            <p:nvPr/>
+          </p:nvCxnSpPr>
+          <p:spPr>
+            <a:xfrm>
+              <a:off x="13288" y="3960"/>
+              <a:ext cx="7" cy="807"/>
+            </a:xfrm>
+            <a:prstGeom prst="straightConnector1">
+              <a:avLst/>
+            </a:prstGeom>
+            <a:ln w="19050">
+              <a:solidFill>
+                <a:schemeClr val="tx1"/>
+              </a:solidFill>
+              <a:tailEnd type="arrow"/>
+            </a:ln>
+          </p:spPr>
+          <p:style>
+            <a:lnRef idx="1">
+              <a:schemeClr val="accent1"/>
+            </a:lnRef>
+            <a:fillRef idx="0">
+              <a:schemeClr val="accent1"/>
+            </a:fillRef>
+            <a:effectRef idx="0">
+              <a:schemeClr val="accent1"/>
+            </a:effectRef>
+            <a:fontRef idx="minor">
+              <a:schemeClr val="tx1"/>
+            </a:fontRef>
+          </p:style>
+        </p:cxnSp>
+        <p:cxnSp>
+          <p:nvCxnSpPr>
+            <p:cNvPr id="41" name="Straight Arrow Connector 40"/>
+            <p:cNvCxnSpPr>
+              <a:stCxn id="34" idx="1"/>
+              <a:endCxn id="7" idx="3"/>
+            </p:cNvCxnSpPr>
+            <p:nvPr/>
+          </p:nvCxnSpPr>
+          <p:spPr>
+            <a:xfrm flipH="1">
+              <a:off x="10146" y="5363"/>
+              <a:ext cx="891" cy="1"/>
+            </a:xfrm>
+            <a:prstGeom prst="straightConnector1">
+              <a:avLst/>
+            </a:prstGeom>
+            <a:ln w="19050">
+              <a:solidFill>
+                <a:schemeClr val="tx1"/>
+              </a:solidFill>
+              <a:tailEnd type="arrow"/>
+            </a:ln>
+          </p:spPr>
+          <p:style>
+            <a:lnRef idx="1">
+              <a:schemeClr val="accent1"/>
+            </a:lnRef>
+            <a:fillRef idx="0">
+              <a:schemeClr val="accent1"/>
+            </a:fillRef>
+            <a:effectRef idx="0">
+              <a:schemeClr val="accent1"/>
+            </a:effectRef>
+            <a:fontRef idx="minor">
+              <a:schemeClr val="tx1"/>
+            </a:fontRef>
+          </p:style>
+        </p:cxnSp>
+        <p:sp>
+          <p:nvSpPr>
+            <p:cNvPr id="42" name="Text Box 41"/>
+            <p:cNvSpPr txBox="1"/>
+            <p:nvPr/>
+          </p:nvSpPr>
+          <p:spPr>
+            <a:xfrm>
+              <a:off x="10190" y="4800"/>
+              <a:ext cx="1320" cy="580"/>
+            </a:xfrm>
+            <a:prstGeom prst="rect">
+              <a:avLst/>
+            </a:prstGeom>
+            <a:noFill/>
+          </p:spPr>
+          <p:txBody>
+            <a:bodyPr wrap="square" rtlCol="0">
+              <a:spAutoFit/>
+            </a:bodyPr>
+            <a:p>
+              <a:r>
+                <a:rPr lang="" altLang="en-US">
+                  <a:latin typeface="Ubuntu" panose="020B0604030602030204" charset="0"/>
+                  <a:cs typeface="Ubuntu" panose="020B0604030602030204" charset="0"/>
+                </a:rPr>
+                <a:t>fail</a:t>
+              </a:r>
+              <a:endParaRPr lang="" altLang="en-US">
+                <a:latin typeface="Ubuntu" panose="020B0604030602030204" charset="0"/>
+                <a:cs typeface="Ubuntu" panose="020B0604030602030204" charset="0"/>
+              </a:endParaRPr>
+            </a:p>
+          </p:txBody>
+        </p:sp>
+        <p:cxnSp>
+          <p:nvCxnSpPr>
+            <p:cNvPr id="43" name="Elbow Connector 42"/>
+            <p:cNvCxnSpPr>
+              <a:stCxn id="34" idx="2"/>
+              <a:endCxn id="29" idx="3"/>
+            </p:cNvCxnSpPr>
+            <p:nvPr/>
+          </p:nvCxnSpPr>
+          <p:spPr>
+            <a:xfrm rot="5400000">
+              <a:off x="9856" y="6418"/>
+              <a:ext cx="3898" cy="2980"/>
+            </a:xfrm>
+            <a:prstGeom prst="bentConnector2">
+              <a:avLst/>
+            </a:prstGeom>
+            <a:ln w="19050">
+              <a:solidFill>
+                <a:schemeClr val="tx1"/>
+              </a:solidFill>
+              <a:tailEnd type="arrow"/>
+            </a:ln>
+          </p:spPr>
+          <p:style>
+            <a:lnRef idx="1">
+              <a:schemeClr val="accent1"/>
+            </a:lnRef>
+            <a:fillRef idx="0">
+              <a:schemeClr val="accent1"/>
+            </a:fillRef>
+            <a:effectRef idx="0">
+              <a:schemeClr val="accent1"/>
+            </a:effectRef>
+            <a:fontRef idx="minor">
+              <a:schemeClr val="tx1"/>
+            </a:fontRef>
+          </p:style>
+        </p:cxnSp>
+        <p:sp>
+          <p:nvSpPr>
+            <p:cNvPr id="44" name="Text Box 43"/>
+            <p:cNvSpPr txBox="1"/>
+            <p:nvPr/>
+          </p:nvSpPr>
+          <p:spPr>
+            <a:xfrm>
+              <a:off x="11201" y="9109"/>
+              <a:ext cx="1849" cy="580"/>
+            </a:xfrm>
+            <a:prstGeom prst="rect">
+              <a:avLst/>
+            </a:prstGeom>
+            <a:noFill/>
+          </p:spPr>
+          <p:txBody>
+            <a:bodyPr wrap="square" rtlCol="0">
+              <a:spAutoFit/>
+            </a:bodyPr>
+            <a:p>
+              <a:r>
+                <a:rPr lang="" altLang="en-US">
+                  <a:latin typeface="Ubuntu" panose="020B0604030602030204" charset="0"/>
+                  <a:cs typeface="Ubuntu" panose="020B0604030602030204" charset="0"/>
+                </a:rPr>
+                <a:t>success</a:t>
+              </a:r>
+              <a:endParaRPr lang="" altLang="en-US">
                 <a:latin typeface="Ubuntu" panose="020B0604030602030204" charset="0"/>
                 <a:cs typeface="Ubuntu" panose="020B0604030602030204" charset="0"/>
               </a:endParaRPr>
@@ -10919,6 +11880,1106 @@
 </file>
 
 <file path=ppt/slides/slide6.xml><?xml version="1.0" encoding="utf-8"?>
+<p:sld xmlns:a="http://schemas.openxmlformats.org/drawingml/2006/main" xmlns:r="http://schemas.openxmlformats.org/officeDocument/2006/relationships" xmlns:p="http://schemas.openxmlformats.org/presentationml/2006/main">
+  <p:cSld>
+    <p:spTree>
+      <p:nvGrpSpPr>
+        <p:cNvPr id="1" name=""/>
+        <p:cNvGrpSpPr/>
+        <p:nvPr/>
+      </p:nvGrpSpPr>
+      <p:grpSpPr/>
+      <p:grpSp>
+        <p:nvGrpSpPr>
+          <p:cNvPr id="16" name="Group 15"/>
+          <p:cNvGrpSpPr/>
+          <p:nvPr/>
+        </p:nvGrpSpPr>
+        <p:grpSpPr>
+          <a:xfrm>
+            <a:off x="1990090" y="378460"/>
+            <a:ext cx="6144895" cy="6415405"/>
+            <a:chOff x="3134" y="596"/>
+            <a:chExt cx="9677" cy="10103"/>
+          </a:xfrm>
+        </p:grpSpPr>
+        <p:sp>
+          <p:nvSpPr>
+            <p:cNvPr id="4" name="五边形 2"/>
+            <p:cNvSpPr/>
+            <p:nvPr/>
+          </p:nvSpPr>
+          <p:spPr>
+            <a:xfrm rot="19130827">
+              <a:off x="6870" y="5166"/>
+              <a:ext cx="2137" cy="946"/>
+            </a:xfrm>
+            <a:prstGeom prst="homePlate">
+              <a:avLst>
+                <a:gd name="adj" fmla="val 44782"/>
+              </a:avLst>
+            </a:prstGeom>
+            <a:solidFill>
+              <a:srgbClr val="E5989B">
+                <a:alpha val="50000"/>
+              </a:srgbClr>
+            </a:solidFill>
+            <a:ln>
+              <a:noFill/>
+            </a:ln>
+          </p:spPr>
+          <p:style>
+            <a:lnRef idx="2">
+              <a:schemeClr val="accent1">
+                <a:shade val="50000"/>
+              </a:schemeClr>
+            </a:lnRef>
+            <a:fillRef idx="1">
+              <a:schemeClr val="accent1"/>
+            </a:fillRef>
+            <a:effectRef idx="0">
+              <a:schemeClr val="accent1"/>
+            </a:effectRef>
+            <a:fontRef idx="minor">
+              <a:schemeClr val="lt1"/>
+            </a:fontRef>
+          </p:style>
+          <p:txBody>
+            <a:bodyPr rtlCol="0" anchor="ctr"/>
+            <a:p>
+              <a:pPr algn="ctr" fontAlgn="auto"/>
+              <a:endParaRPr lang="zh-CN" altLang="en-US" strike="noStrike" noProof="1"/>
+            </a:p>
+          </p:txBody>
+        </p:sp>
+        <p:cxnSp>
+          <p:nvCxnSpPr>
+            <p:cNvPr id="5" name="Straight Arrow Connector 4"/>
+            <p:cNvCxnSpPr/>
+            <p:nvPr/>
+          </p:nvCxnSpPr>
+          <p:spPr>
+            <a:xfrm flipV="1">
+              <a:off x="7884" y="3872"/>
+              <a:ext cx="2007" cy="1830"/>
+            </a:xfrm>
+            <a:prstGeom prst="straightConnector1">
+              <a:avLst/>
+            </a:prstGeom>
+            <a:ln w="12700">
+              <a:solidFill>
+                <a:schemeClr val="tx1"/>
+              </a:solidFill>
+              <a:prstDash val="sysDash"/>
+              <a:tailEnd type="arrow"/>
+            </a:ln>
+          </p:spPr>
+          <p:style>
+            <a:lnRef idx="1">
+              <a:schemeClr val="accent1"/>
+            </a:lnRef>
+            <a:fillRef idx="0">
+              <a:schemeClr val="accent1"/>
+            </a:fillRef>
+            <a:effectRef idx="0">
+              <a:schemeClr val="accent1"/>
+            </a:effectRef>
+            <a:fontRef idx="minor">
+              <a:schemeClr val="tx1"/>
+            </a:fontRef>
+          </p:style>
+        </p:cxnSp>
+        <p:sp>
+          <p:nvSpPr>
+            <p:cNvPr id="7" name="Arc 6"/>
+            <p:cNvSpPr/>
+            <p:nvPr/>
+          </p:nvSpPr>
+          <p:spPr>
+            <a:xfrm rot="19020000">
+              <a:off x="7051" y="4840"/>
+              <a:ext cx="5760" cy="5760"/>
+            </a:xfrm>
+            <a:prstGeom prst="arc">
+              <a:avLst>
+                <a:gd name="adj1" fmla="val 16200000"/>
+                <a:gd name="adj2" fmla="val 19075149"/>
+              </a:avLst>
+            </a:prstGeom>
+            <a:ln w="12700">
+              <a:solidFill>
+                <a:schemeClr val="tx1"/>
+              </a:solidFill>
+              <a:prstDash val="sysDash"/>
+              <a:headEnd type="none"/>
+              <a:tailEnd type="arrow" w="med" len="med"/>
+            </a:ln>
+          </p:spPr>
+          <p:style>
+            <a:lnRef idx="1">
+              <a:schemeClr val="accent1"/>
+            </a:lnRef>
+            <a:fillRef idx="0">
+              <a:schemeClr val="accent1"/>
+            </a:fillRef>
+            <a:effectRef idx="0">
+              <a:schemeClr val="accent1"/>
+            </a:effectRef>
+            <a:fontRef idx="minor">
+              <a:schemeClr val="tx1"/>
+            </a:fontRef>
+          </p:style>
+          <p:txBody>
+            <a:bodyPr rtlCol="0" anchor="ctr"/>
+            <a:p>
+              <a:pPr algn="ctr"/>
+              <a:endParaRPr lang="en-US"/>
+            </a:p>
+          </p:txBody>
+        </p:sp>
+        <p:sp>
+          <p:nvSpPr>
+            <p:cNvPr id="9" name="Arc 8"/>
+            <p:cNvSpPr/>
+            <p:nvPr/>
+          </p:nvSpPr>
+          <p:spPr>
+            <a:xfrm rot="8280000">
+              <a:off x="3176" y="596"/>
+              <a:ext cx="5760" cy="5760"/>
+            </a:xfrm>
+            <a:prstGeom prst="arc">
+              <a:avLst>
+                <a:gd name="adj1" fmla="val 13450982"/>
+                <a:gd name="adj2" fmla="val 16190553"/>
+              </a:avLst>
+            </a:prstGeom>
+            <a:ln w="12700">
+              <a:solidFill>
+                <a:schemeClr val="tx1"/>
+              </a:solidFill>
+              <a:prstDash val="sysDash"/>
+              <a:headEnd type="arrow" w="med" len="med"/>
+              <a:tailEnd type="none" w="med" len="med"/>
+            </a:ln>
+          </p:spPr>
+          <p:style>
+            <a:lnRef idx="1">
+              <a:schemeClr val="accent1"/>
+            </a:lnRef>
+            <a:fillRef idx="0">
+              <a:schemeClr val="accent1"/>
+            </a:fillRef>
+            <a:effectRef idx="0">
+              <a:schemeClr val="accent1"/>
+            </a:effectRef>
+            <a:fontRef idx="minor">
+              <a:schemeClr val="tx1"/>
+            </a:fontRef>
+          </p:style>
+          <p:txBody>
+            <a:bodyPr rtlCol="0" anchor="ctr"/>
+            <a:p>
+              <a:pPr algn="ctr"/>
+              <a:endParaRPr lang="en-US"/>
+            </a:p>
+          </p:txBody>
+        </p:sp>
+        <p:sp>
+          <p:nvSpPr>
+            <p:cNvPr id="10" name="Arc 9"/>
+            <p:cNvSpPr/>
+            <p:nvPr/>
+          </p:nvSpPr>
+          <p:spPr>
+            <a:xfrm rot="19140000">
+              <a:off x="6974" y="4939"/>
+              <a:ext cx="5760" cy="5760"/>
+            </a:xfrm>
+            <a:prstGeom prst="arc">
+              <a:avLst>
+                <a:gd name="adj1" fmla="val 13556854"/>
+                <a:gd name="adj2" fmla="val 16207874"/>
+              </a:avLst>
+            </a:prstGeom>
+            <a:ln w="12700">
+              <a:solidFill>
+                <a:schemeClr val="tx1">
+                  <a:lumMod val="50000"/>
+                  <a:lumOff val="50000"/>
+                </a:schemeClr>
+              </a:solidFill>
+              <a:prstDash val="sysDash"/>
+              <a:headEnd type="arrow" w="med" len="med"/>
+              <a:tailEnd type="none" w="med" len="med"/>
+            </a:ln>
+          </p:spPr>
+          <p:style>
+            <a:lnRef idx="1">
+              <a:schemeClr val="accent1"/>
+            </a:lnRef>
+            <a:fillRef idx="0">
+              <a:schemeClr val="accent1"/>
+            </a:fillRef>
+            <a:effectRef idx="0">
+              <a:schemeClr val="accent1"/>
+            </a:effectRef>
+            <a:fontRef idx="minor">
+              <a:schemeClr val="tx1"/>
+            </a:fontRef>
+          </p:style>
+          <p:txBody>
+            <a:bodyPr rtlCol="0" anchor="ctr"/>
+            <a:p>
+              <a:pPr algn="ctr"/>
+              <a:endParaRPr lang="en-US"/>
+            </a:p>
+          </p:txBody>
+        </p:sp>
+        <p:sp>
+          <p:nvSpPr>
+            <p:cNvPr id="11" name="Arc 10"/>
+            <p:cNvSpPr/>
+            <p:nvPr/>
+          </p:nvSpPr>
+          <p:spPr>
+            <a:xfrm rot="8340000">
+              <a:off x="3134" y="620"/>
+              <a:ext cx="5760" cy="5760"/>
+            </a:xfrm>
+            <a:prstGeom prst="arc">
+              <a:avLst>
+                <a:gd name="adj1" fmla="val 16185398"/>
+                <a:gd name="adj2" fmla="val 18860518"/>
+              </a:avLst>
+            </a:prstGeom>
+            <a:ln w="12700">
+              <a:solidFill>
+                <a:schemeClr val="tx1">
+                  <a:lumMod val="50000"/>
+                  <a:lumOff val="50000"/>
+                </a:schemeClr>
+              </a:solidFill>
+              <a:prstDash val="sysDash"/>
+              <a:headEnd type="none" w="med" len="med"/>
+              <a:tailEnd type="arrow" w="med" len="med"/>
+            </a:ln>
+          </p:spPr>
+          <p:style>
+            <a:lnRef idx="1">
+              <a:schemeClr val="accent1"/>
+            </a:lnRef>
+            <a:fillRef idx="0">
+              <a:schemeClr val="accent1"/>
+            </a:fillRef>
+            <a:effectRef idx="0">
+              <a:schemeClr val="accent1"/>
+            </a:effectRef>
+            <a:fontRef idx="minor">
+              <a:schemeClr val="tx1"/>
+            </a:fontRef>
+          </p:style>
+          <p:txBody>
+            <a:bodyPr rtlCol="0" anchor="ctr"/>
+            <a:p>
+              <a:pPr algn="ctr"/>
+              <a:endParaRPr lang="en-US"/>
+            </a:p>
+          </p:txBody>
+        </p:sp>
+        <p:cxnSp>
+          <p:nvCxnSpPr>
+            <p:cNvPr id="13" name="Straight Arrow Connector 12"/>
+            <p:cNvCxnSpPr/>
+            <p:nvPr/>
+          </p:nvCxnSpPr>
+          <p:spPr>
+            <a:xfrm flipV="1">
+              <a:off x="5998" y="5702"/>
+              <a:ext cx="1908" cy="1588"/>
+            </a:xfrm>
+            <a:prstGeom prst="straightConnector1">
+              <a:avLst/>
+            </a:prstGeom>
+            <a:ln w="12700">
+              <a:solidFill>
+                <a:schemeClr val="tx1">
+                  <a:lumMod val="50000"/>
+                  <a:lumOff val="50000"/>
+                </a:schemeClr>
+              </a:solidFill>
+              <a:prstDash val="sysDash"/>
+              <a:headEnd type="arrow" w="med" len="med"/>
+              <a:tailEnd type="none"/>
+            </a:ln>
+          </p:spPr>
+          <p:style>
+            <a:lnRef idx="1">
+              <a:schemeClr val="accent1"/>
+            </a:lnRef>
+            <a:fillRef idx="0">
+              <a:schemeClr val="accent1"/>
+            </a:fillRef>
+            <a:effectRef idx="0">
+              <a:schemeClr val="accent1"/>
+            </a:effectRef>
+            <a:fontRef idx="minor">
+              <a:schemeClr val="tx1"/>
+            </a:fontRef>
+          </p:style>
+        </p:cxnSp>
+        <p:sp>
+          <p:nvSpPr>
+            <p:cNvPr id="30" name="Oval 29"/>
+            <p:cNvSpPr/>
+            <p:nvPr/>
+          </p:nvSpPr>
+          <p:spPr>
+            <a:xfrm>
+              <a:off x="7875" y="5587"/>
+              <a:ext cx="144" cy="144"/>
+            </a:xfrm>
+            <a:prstGeom prst="ellipse">
+              <a:avLst/>
+            </a:prstGeom>
+            <a:solidFill>
+              <a:schemeClr val="bg1">
+                <a:lumMod val="65000"/>
+              </a:schemeClr>
+            </a:solidFill>
+            <a:ln>
+              <a:solidFill>
+                <a:schemeClr val="tx1"/>
+              </a:solidFill>
+            </a:ln>
+          </p:spPr>
+          <p:style>
+            <a:lnRef idx="2">
+              <a:schemeClr val="accent1">
+                <a:shade val="50000"/>
+              </a:schemeClr>
+            </a:lnRef>
+            <a:fillRef idx="1">
+              <a:schemeClr val="accent1"/>
+            </a:fillRef>
+            <a:effectRef idx="0">
+              <a:schemeClr val="accent1"/>
+            </a:effectRef>
+            <a:fontRef idx="minor">
+              <a:schemeClr val="lt1"/>
+            </a:fontRef>
+          </p:style>
+          <p:txBody>
+            <a:bodyPr rtlCol="0" anchor="ctr"/>
+            <a:p>
+              <a:pPr algn="ctr" fontAlgn="auto"/>
+              <a:endParaRPr lang="en-US" sz="1015" strike="noStrike" noProof="1"/>
+            </a:p>
+          </p:txBody>
+        </p:sp>
+        <mc:AlternateContent xmlns:mc="http://schemas.openxmlformats.org/markup-compatibility/2006">
+          <mc:Choice xmlns:a14="http://schemas.microsoft.com/office/drawing/2010/main" Requires="a14">
+            <p:sp>
+              <p:nvSpPr>
+                <p:cNvPr id="14" name="Text Box 13"/>
+                <p:cNvSpPr txBox="1"/>
+                <p:nvPr/>
+              </p:nvSpPr>
+              <p:spPr>
+                <a:xfrm>
+                  <a:off x="9022" y="4295"/>
+                  <a:ext cx="925" cy="580"/>
+                </a:xfrm>
+                <a:prstGeom prst="rect">
+                  <a:avLst/>
+                </a:prstGeom>
+                <a:noFill/>
+              </p:spPr>
+              <p:txBody>
+                <a:bodyPr wrap="none" rtlCol="0" anchor="t">
+                  <a:spAutoFit/>
+                </a:bodyPr>
+                <a:p>
+                  <a:pPr algn="l"/>
+                  <a14:m>
+                    <m:oMathPara xmlns:m="http://schemas.openxmlformats.org/officeDocument/2006/math">
+                      <m:oMathParaPr>
+                        <m:jc m:val="centerGroup"/>
+                      </m:oMathParaPr>
+                      <m:oMath xmlns:m="http://schemas.openxmlformats.org/officeDocument/2006/math">
+                        <m:r>
+                          <a:rPr lang="en-US" i="1">
+                            <a:latin typeface="DejaVu Math TeX Gyre" panose="02000503000000000000" charset="0"/>
+                            <a:cs typeface="DejaVu Math TeX Gyre" panose="02000503000000000000" charset="0"/>
+                          </a:rPr>
+                          <m:t>𝐿</m:t>
+                        </m:r>
+                      </m:oMath>
+                    </m:oMathPara>
+                  </a14:m>
+                  <a:endParaRPr lang="en-US"/>
+                </a:p>
+              </p:txBody>
+            </p:sp>
+          </mc:Choice>
+          <mc:Fallback>
+            <p:sp>
+              <p:nvSpPr>
+                <p:cNvPr id="14" name="Text Box 13"/>
+                <p:cNvSpPr txBox="1">
+                  <a:spLocks noRot="1" noChangeAspect="1" noMove="1" noResize="1" noEditPoints="1" noAdjustHandles="1" noChangeArrowheads="1" noChangeShapeType="1" noTextEdit="1"/>
+                </p:cNvSpPr>
+                <p:nvPr/>
+              </p:nvSpPr>
+              <p:spPr>
+                <a:xfrm>
+                  <a:off x="9022" y="4295"/>
+                  <a:ext cx="925" cy="580"/>
+                </a:xfrm>
+                <a:prstGeom prst="rect">
+                  <a:avLst/>
+                </a:prstGeom>
+                <a:blipFill rotWithShape="1">
+                  <a:blip r:embed="rId1"/>
+                </a:blipFill>
+              </p:spPr>
+              <p:txBody>
+                <a:bodyPr/>
+                <a:lstStyle/>
+                <a:p>
+                  <a:r>
+                    <a:rPr lang="en-US" altLang="en-US">
+                      <a:noFill/>
+                    </a:rPr>
+                    <a:t> </a:t>
+                  </a:r>
+                </a:p>
+              </p:txBody>
+            </p:sp>
+          </mc:Fallback>
+        </mc:AlternateContent>
+        <mc:AlternateContent xmlns:mc="http://schemas.openxmlformats.org/markup-compatibility/2006">
+          <mc:Choice xmlns:a14="http://schemas.microsoft.com/office/drawing/2010/main" Requires="a14">
+            <p:sp>
+              <p:nvSpPr>
+                <p:cNvPr id="12" name="Text Box 11"/>
+                <p:cNvSpPr txBox="1"/>
+                <p:nvPr/>
+              </p:nvSpPr>
+              <p:spPr>
+                <a:xfrm>
+                  <a:off x="9406" y="3418"/>
+                  <a:ext cx="1604" cy="580"/>
+                </a:xfrm>
+                <a:prstGeom prst="rect">
+                  <a:avLst/>
+                </a:prstGeom>
+                <a:noFill/>
+              </p:spPr>
+              <p:txBody>
+                <a:bodyPr wrap="square" rtlCol="0" anchor="t">
+                  <a:spAutoFit/>
+                </a:bodyPr>
+                <a:p>
+                  <a:pPr algn="l"/>
+                  <a14:m>
+                    <m:oMathPara xmlns:m="http://schemas.openxmlformats.org/officeDocument/2006/math">
+                      <m:oMathParaPr>
+                        <m:jc m:val="centerGroup"/>
+                      </m:oMathParaPr>
+                      <m:oMath xmlns:m="http://schemas.openxmlformats.org/officeDocument/2006/math">
+                        <m:sSup>
+                          <m:sSupPr>
+                            <m:ctrlPr>
+                              <a:rPr lang="en-US" i="1">
+                                <a:latin typeface="DejaVu Math TeX Gyre" panose="02000503000000000000" charset="0"/>
+                                <a:cs typeface="DejaVu Math TeX Gyre" panose="02000503000000000000" charset="0"/>
+                              </a:rPr>
+                            </m:ctrlPr>
+                          </m:sSupPr>
+                          <m:e>
+                            <m:r>
+                              <a:rPr lang="en-US" i="1">
+                                <a:latin typeface="DejaVu Math TeX Gyre" panose="02000503000000000000" charset="0"/>
+                                <a:cs typeface="DejaVu Math TeX Gyre" panose="02000503000000000000" charset="0"/>
+                              </a:rPr>
+                              <m:t>𝑆</m:t>
+                            </m:r>
+                          </m:e>
+                          <m:sup>
+                            <m:r>
+                              <a:rPr lang="en-US" i="1">
+                                <a:latin typeface="DejaVu Math TeX Gyre" panose="02000503000000000000" charset="0"/>
+                                <a:cs typeface="DejaVu Math TeX Gyre" panose="02000503000000000000" charset="0"/>
+                              </a:rPr>
+                              <m:t>+</m:t>
+                            </m:r>
+                          </m:sup>
+                        </m:sSup>
+                      </m:oMath>
+                    </m:oMathPara>
+                  </a14:m>
+                  <a:endParaRPr lang="en-US"/>
+                </a:p>
+              </p:txBody>
+            </p:sp>
+          </mc:Choice>
+          <mc:Fallback>
+            <p:sp>
+              <p:nvSpPr>
+                <p:cNvPr id="12" name="Text Box 11"/>
+                <p:cNvSpPr txBox="1">
+                  <a:spLocks noRot="1" noChangeAspect="1" noMove="1" noResize="1" noEditPoints="1" noAdjustHandles="1" noChangeArrowheads="1" noChangeShapeType="1" noTextEdit="1"/>
+                </p:cNvSpPr>
+                <p:nvPr/>
+              </p:nvSpPr>
+              <p:spPr>
+                <a:xfrm>
+                  <a:off x="9406" y="3418"/>
+                  <a:ext cx="1604" cy="580"/>
+                </a:xfrm>
+                <a:prstGeom prst="rect">
+                  <a:avLst/>
+                </a:prstGeom>
+                <a:blipFill rotWithShape="1">
+                  <a:blip r:embed="rId2"/>
+                </a:blipFill>
+              </p:spPr>
+              <p:txBody>
+                <a:bodyPr/>
+                <a:lstStyle/>
+                <a:p>
+                  <a:r>
+                    <a:rPr lang="en-US" altLang="en-US">
+                      <a:noFill/>
+                    </a:rPr>
+                    <a:t> </a:t>
+                  </a:r>
+                </a:p>
+              </p:txBody>
+            </p:sp>
+          </mc:Fallback>
+        </mc:AlternateContent>
+        <mc:AlternateContent xmlns:mc="http://schemas.openxmlformats.org/markup-compatibility/2006">
+          <mc:Choice xmlns:a14="http://schemas.microsoft.com/office/drawing/2010/main" Requires="a14">
+            <p:sp>
+              <p:nvSpPr>
+                <p:cNvPr id="2" name="Text Box 1"/>
+                <p:cNvSpPr txBox="1"/>
+                <p:nvPr/>
+              </p:nvSpPr>
+              <p:spPr>
+                <a:xfrm>
+                  <a:off x="9761" y="4579"/>
+                  <a:ext cx="1604" cy="580"/>
+                </a:xfrm>
+                <a:prstGeom prst="rect">
+                  <a:avLst/>
+                </a:prstGeom>
+                <a:noFill/>
+              </p:spPr>
+              <p:txBody>
+                <a:bodyPr wrap="square" rtlCol="0" anchor="t">
+                  <a:spAutoFit/>
+                </a:bodyPr>
+                <a:p>
+                  <a:pPr algn="l"/>
+                  <a14:m>
+                    <m:oMathPara xmlns:m="http://schemas.openxmlformats.org/officeDocument/2006/math">
+                      <m:oMathParaPr>
+                        <m:jc m:val="centerGroup"/>
+                      </m:oMathParaPr>
+                      <m:oMath xmlns:m="http://schemas.openxmlformats.org/officeDocument/2006/math">
+                        <m:sSup>
+                          <m:sSupPr>
+                            <m:ctrlPr>
+                              <a:rPr lang="en-US" i="1">
+                                <a:latin typeface="DejaVu Math TeX Gyre" panose="02000503000000000000" charset="0"/>
+                                <a:cs typeface="DejaVu Math TeX Gyre" panose="02000503000000000000" charset="0"/>
+                              </a:rPr>
+                            </m:ctrlPr>
+                          </m:sSupPr>
+                          <m:e>
+                            <m:r>
+                              <a:rPr lang="en-US" i="1">
+                                <a:latin typeface="DejaVu Math TeX Gyre" panose="02000503000000000000" charset="0"/>
+                                <a:cs typeface="DejaVu Math TeX Gyre" panose="02000503000000000000" charset="0"/>
+                              </a:rPr>
+                              <m:t>𝑅</m:t>
+                            </m:r>
+                          </m:e>
+                          <m:sup>
+                            <m:r>
+                              <a:rPr lang="en-US" i="1">
+                                <a:latin typeface="DejaVu Math TeX Gyre" panose="02000503000000000000" charset="0"/>
+                                <a:cs typeface="DejaVu Math TeX Gyre" panose="02000503000000000000" charset="0"/>
+                              </a:rPr>
+                              <m:t>+</m:t>
+                            </m:r>
+                          </m:sup>
+                        </m:sSup>
+                      </m:oMath>
+                    </m:oMathPara>
+                  </a14:m>
+                  <a:endParaRPr lang="en-US"/>
+                </a:p>
+              </p:txBody>
+            </p:sp>
+          </mc:Choice>
+          <mc:Fallback>
+            <p:sp>
+              <p:nvSpPr>
+                <p:cNvPr id="2" name="Text Box 1"/>
+                <p:cNvSpPr txBox="1">
+                  <a:spLocks noRot="1" noChangeAspect="1" noMove="1" noResize="1" noEditPoints="1" noAdjustHandles="1" noChangeArrowheads="1" noChangeShapeType="1" noTextEdit="1"/>
+                </p:cNvSpPr>
+                <p:nvPr/>
+              </p:nvSpPr>
+              <p:spPr>
+                <a:xfrm>
+                  <a:off x="9761" y="4579"/>
+                  <a:ext cx="1604" cy="580"/>
+                </a:xfrm>
+                <a:prstGeom prst="rect">
+                  <a:avLst/>
+                </a:prstGeom>
+                <a:blipFill rotWithShape="1">
+                  <a:blip r:embed="rId3"/>
+                </a:blipFill>
+              </p:spPr>
+              <p:txBody>
+                <a:bodyPr/>
+                <a:lstStyle/>
+                <a:p>
+                  <a:r>
+                    <a:rPr lang="en-US" altLang="en-US">
+                      <a:noFill/>
+                    </a:rPr>
+                    <a:t> </a:t>
+                  </a:r>
+                </a:p>
+              </p:txBody>
+            </p:sp>
+          </mc:Fallback>
+        </mc:AlternateContent>
+        <mc:AlternateContent xmlns:mc="http://schemas.openxmlformats.org/markup-compatibility/2006">
+          <mc:Choice xmlns:a14="http://schemas.microsoft.com/office/drawing/2010/main" Requires="a14">
+            <p:sp>
+              <p:nvSpPr>
+                <p:cNvPr id="3" name="Text Box 2"/>
+                <p:cNvSpPr txBox="1"/>
+                <p:nvPr/>
+              </p:nvSpPr>
+              <p:spPr>
+                <a:xfrm>
+                  <a:off x="8232" y="3070"/>
+                  <a:ext cx="1604" cy="580"/>
+                </a:xfrm>
+                <a:prstGeom prst="rect">
+                  <a:avLst/>
+                </a:prstGeom>
+                <a:noFill/>
+              </p:spPr>
+              <p:txBody>
+                <a:bodyPr wrap="square" rtlCol="0" anchor="t">
+                  <a:spAutoFit/>
+                </a:bodyPr>
+                <a:p>
+                  <a:pPr algn="l"/>
+                  <a14:m>
+                    <m:oMathPara xmlns:m="http://schemas.openxmlformats.org/officeDocument/2006/math">
+                      <m:oMathParaPr>
+                        <m:jc m:val="centerGroup"/>
+                      </m:oMathParaPr>
+                      <m:oMath xmlns:m="http://schemas.openxmlformats.org/officeDocument/2006/math">
+                        <m:sSup>
+                          <m:sSupPr>
+                            <m:ctrlPr>
+                              <a:rPr lang="en-US" i="1">
+                                <a:latin typeface="DejaVu Math TeX Gyre" panose="02000503000000000000" charset="0"/>
+                                <a:cs typeface="DejaVu Math TeX Gyre" panose="02000503000000000000" charset="0"/>
+                              </a:rPr>
+                            </m:ctrlPr>
+                          </m:sSupPr>
+                          <m:e>
+                            <m:r>
+                              <a:rPr lang="en-US" i="1">
+                                <a:latin typeface="DejaVu Math TeX Gyre" panose="02000503000000000000" charset="0"/>
+                                <a:cs typeface="DejaVu Math TeX Gyre" panose="02000503000000000000" charset="0"/>
+                              </a:rPr>
+                              <m:t>𝐿</m:t>
+                            </m:r>
+                          </m:e>
+                          <m:sup>
+                            <m:r>
+                              <a:rPr lang="en-US" i="1">
+                                <a:latin typeface="DejaVu Math TeX Gyre" panose="02000503000000000000" charset="0"/>
+                                <a:cs typeface="DejaVu Math TeX Gyre" panose="02000503000000000000" charset="0"/>
+                              </a:rPr>
+                              <m:t>+</m:t>
+                            </m:r>
+                          </m:sup>
+                        </m:sSup>
+                      </m:oMath>
+                    </m:oMathPara>
+                  </a14:m>
+                  <a:endParaRPr lang="en-US"/>
+                </a:p>
+              </p:txBody>
+            </p:sp>
+          </mc:Choice>
+          <mc:Fallback>
+            <p:sp>
+              <p:nvSpPr>
+                <p:cNvPr id="3" name="Text Box 2"/>
+                <p:cNvSpPr txBox="1">
+                  <a:spLocks noRot="1" noChangeAspect="1" noMove="1" noResize="1" noEditPoints="1" noAdjustHandles="1" noChangeArrowheads="1" noChangeShapeType="1" noTextEdit="1"/>
+                </p:cNvSpPr>
+                <p:nvPr/>
+              </p:nvSpPr>
+              <p:spPr>
+                <a:xfrm>
+                  <a:off x="8232" y="3070"/>
+                  <a:ext cx="1604" cy="580"/>
+                </a:xfrm>
+                <a:prstGeom prst="rect">
+                  <a:avLst/>
+                </a:prstGeom>
+                <a:blipFill rotWithShape="1">
+                  <a:blip r:embed="rId4"/>
+                </a:blipFill>
+              </p:spPr>
+              <p:txBody>
+                <a:bodyPr/>
+                <a:lstStyle/>
+                <a:p>
+                  <a:r>
+                    <a:rPr lang="en-US" altLang="en-US">
+                      <a:noFill/>
+                    </a:rPr>
+                    <a:t> </a:t>
+                  </a:r>
+                </a:p>
+              </p:txBody>
+            </p:sp>
+          </mc:Fallback>
+        </mc:AlternateContent>
+        <mc:AlternateContent xmlns:mc="http://schemas.openxmlformats.org/markup-compatibility/2006">
+          <mc:Choice xmlns:a14="http://schemas.microsoft.com/office/drawing/2010/main" Requires="a14">
+            <p:sp>
+              <p:nvSpPr>
+                <p:cNvPr id="6" name="Text Box 5"/>
+                <p:cNvSpPr txBox="1"/>
+                <p:nvPr/>
+              </p:nvSpPr>
+              <p:spPr>
+                <a:xfrm>
+                  <a:off x="4870" y="7213"/>
+                  <a:ext cx="1604" cy="580"/>
+                </a:xfrm>
+                <a:prstGeom prst="rect">
+                  <a:avLst/>
+                </a:prstGeom>
+                <a:noFill/>
+              </p:spPr>
+              <p:txBody>
+                <a:bodyPr wrap="square" rtlCol="0" anchor="t">
+                  <a:spAutoFit/>
+                </a:bodyPr>
+                <a:p>
+                  <a:pPr algn="l"/>
+                  <a14:m>
+                    <m:oMathPara xmlns:m="http://schemas.openxmlformats.org/officeDocument/2006/math">
+                      <m:oMathParaPr>
+                        <m:jc m:val="centerGroup"/>
+                      </m:oMathParaPr>
+                      <m:oMath xmlns:m="http://schemas.openxmlformats.org/officeDocument/2006/math">
+                        <m:sSup>
+                          <m:sSupPr>
+                            <m:ctrlPr>
+                              <a:rPr lang="en-US" i="1">
+                                <a:latin typeface="DejaVu Math TeX Gyre" panose="02000503000000000000" charset="0"/>
+                                <a:cs typeface="DejaVu Math TeX Gyre" panose="02000503000000000000" charset="0"/>
+                              </a:rPr>
+                            </m:ctrlPr>
+                          </m:sSupPr>
+                          <m:e>
+                            <m:r>
+                              <a:rPr lang="en-US" i="1">
+                                <a:latin typeface="DejaVu Math TeX Gyre" panose="02000503000000000000" charset="0"/>
+                                <a:cs typeface="DejaVu Math TeX Gyre" panose="02000503000000000000" charset="0"/>
+                              </a:rPr>
+                              <m:t>𝑆</m:t>
+                            </m:r>
+                          </m:e>
+                          <m:sup>
+                            <m:r>
+                              <a:rPr lang="en-US" i="1">
+                                <a:latin typeface="DejaVu Math TeX Gyre" panose="02000503000000000000" charset="0"/>
+                                <a:cs typeface="DejaVu Math TeX Gyre" panose="02000503000000000000" charset="0"/>
+                              </a:rPr>
+                              <m:t>−</m:t>
+                            </m:r>
+                          </m:sup>
+                        </m:sSup>
+                      </m:oMath>
+                    </m:oMathPara>
+                  </a14:m>
+                  <a:endParaRPr lang="en-US"/>
+                </a:p>
+              </p:txBody>
+            </p:sp>
+          </mc:Choice>
+          <mc:Fallback>
+            <p:sp>
+              <p:nvSpPr>
+                <p:cNvPr id="6" name="Text Box 5"/>
+                <p:cNvSpPr txBox="1">
+                  <a:spLocks noRot="1" noChangeAspect="1" noMove="1" noResize="1" noEditPoints="1" noAdjustHandles="1" noChangeArrowheads="1" noChangeShapeType="1" noTextEdit="1"/>
+                </p:cNvSpPr>
+                <p:nvPr/>
+              </p:nvSpPr>
+              <p:spPr>
+                <a:xfrm>
+                  <a:off x="4870" y="7213"/>
+                  <a:ext cx="1604" cy="580"/>
+                </a:xfrm>
+                <a:prstGeom prst="rect">
+                  <a:avLst/>
+                </a:prstGeom>
+                <a:blipFill rotWithShape="1">
+                  <a:blip r:embed="rId5"/>
+                </a:blipFill>
+              </p:spPr>
+              <p:txBody>
+                <a:bodyPr/>
+                <a:lstStyle/>
+                <a:p>
+                  <a:r>
+                    <a:rPr lang="en-US" altLang="en-US">
+                      <a:noFill/>
+                    </a:rPr>
+                    <a:t> </a:t>
+                  </a:r>
+                </a:p>
+              </p:txBody>
+            </p:sp>
+          </mc:Fallback>
+        </mc:AlternateContent>
+        <mc:AlternateContent xmlns:mc="http://schemas.openxmlformats.org/markup-compatibility/2006">
+          <mc:Choice xmlns:a14="http://schemas.microsoft.com/office/drawing/2010/main" Requires="a14">
+            <p:sp>
+              <p:nvSpPr>
+                <p:cNvPr id="8" name="Text Box 7"/>
+                <p:cNvSpPr txBox="1"/>
+                <p:nvPr/>
+              </p:nvSpPr>
+              <p:spPr>
+                <a:xfrm>
+                  <a:off x="5169" y="5841"/>
+                  <a:ext cx="1604" cy="580"/>
+                </a:xfrm>
+                <a:prstGeom prst="rect">
+                  <a:avLst/>
+                </a:prstGeom>
+                <a:noFill/>
+              </p:spPr>
+              <p:txBody>
+                <a:bodyPr wrap="square" rtlCol="0" anchor="t">
+                  <a:spAutoFit/>
+                </a:bodyPr>
+                <a:p>
+                  <a:pPr algn="l"/>
+                  <a14:m>
+                    <m:oMathPara xmlns:m="http://schemas.openxmlformats.org/officeDocument/2006/math">
+                      <m:oMathParaPr>
+                        <m:jc m:val="centerGroup"/>
+                      </m:oMathParaPr>
+                      <m:oMath xmlns:m="http://schemas.openxmlformats.org/officeDocument/2006/math">
+                        <m:sSup>
+                          <m:sSupPr>
+                            <m:ctrlPr>
+                              <a:rPr lang="en-US" i="1">
+                                <a:latin typeface="DejaVu Math TeX Gyre" panose="02000503000000000000" charset="0"/>
+                                <a:cs typeface="DejaVu Math TeX Gyre" panose="02000503000000000000" charset="0"/>
+                              </a:rPr>
+                            </m:ctrlPr>
+                          </m:sSupPr>
+                          <m:e>
+                            <m:r>
+                              <a:rPr lang="en-US" i="1">
+                                <a:latin typeface="DejaVu Math TeX Gyre" panose="02000503000000000000" charset="0"/>
+                                <a:cs typeface="DejaVu Math TeX Gyre" panose="02000503000000000000" charset="0"/>
+                              </a:rPr>
+                              <m:t>𝑅</m:t>
+                            </m:r>
+                          </m:e>
+                          <m:sup>
+                            <m:r>
+                              <a:rPr lang="en-US" i="1">
+                                <a:latin typeface="DejaVu Math TeX Gyre" panose="02000503000000000000" charset="0"/>
+                                <a:cs typeface="DejaVu Math TeX Gyre" panose="02000503000000000000" charset="0"/>
+                              </a:rPr>
+                              <m:t>−</m:t>
+                            </m:r>
+                          </m:sup>
+                        </m:sSup>
+                      </m:oMath>
+                    </m:oMathPara>
+                  </a14:m>
+                  <a:endParaRPr lang="en-US"/>
+                </a:p>
+              </p:txBody>
+            </p:sp>
+          </mc:Choice>
+          <mc:Fallback>
+            <p:sp>
+              <p:nvSpPr>
+                <p:cNvPr id="8" name="Text Box 7"/>
+                <p:cNvSpPr txBox="1">
+                  <a:spLocks noRot="1" noChangeAspect="1" noMove="1" noResize="1" noEditPoints="1" noAdjustHandles="1" noChangeArrowheads="1" noChangeShapeType="1" noTextEdit="1"/>
+                </p:cNvSpPr>
+                <p:nvPr/>
+              </p:nvSpPr>
+              <p:spPr>
+                <a:xfrm>
+                  <a:off x="5169" y="5841"/>
+                  <a:ext cx="1604" cy="580"/>
+                </a:xfrm>
+                <a:prstGeom prst="rect">
+                  <a:avLst/>
+                </a:prstGeom>
+                <a:blipFill rotWithShape="1">
+                  <a:blip r:embed="rId6"/>
+                </a:blipFill>
+              </p:spPr>
+              <p:txBody>
+                <a:bodyPr/>
+                <a:lstStyle/>
+                <a:p>
+                  <a:r>
+                    <a:rPr lang="en-US" altLang="en-US">
+                      <a:noFill/>
+                    </a:rPr>
+                    <a:t> </a:t>
+                  </a:r>
+                </a:p>
+              </p:txBody>
+            </p:sp>
+          </mc:Fallback>
+        </mc:AlternateContent>
+        <mc:AlternateContent xmlns:mc="http://schemas.openxmlformats.org/markup-compatibility/2006">
+          <mc:Choice xmlns:a14="http://schemas.microsoft.com/office/drawing/2010/main" Requires="a14">
+            <p:sp>
+              <p:nvSpPr>
+                <p:cNvPr id="15" name="Text Box 14"/>
+                <p:cNvSpPr txBox="1"/>
+                <p:nvPr/>
+              </p:nvSpPr>
+              <p:spPr>
+                <a:xfrm>
+                  <a:off x="6584" y="7202"/>
+                  <a:ext cx="1604" cy="580"/>
+                </a:xfrm>
+                <a:prstGeom prst="rect">
+                  <a:avLst/>
+                </a:prstGeom>
+                <a:noFill/>
+              </p:spPr>
+              <p:txBody>
+                <a:bodyPr wrap="square" rtlCol="0" anchor="t">
+                  <a:spAutoFit/>
+                </a:bodyPr>
+                <a:p>
+                  <a:pPr algn="l"/>
+                  <a14:m>
+                    <m:oMathPara xmlns:m="http://schemas.openxmlformats.org/officeDocument/2006/math">
+                      <m:oMathParaPr>
+                        <m:jc m:val="centerGroup"/>
+                      </m:oMathParaPr>
+                      <m:oMath xmlns:m="http://schemas.openxmlformats.org/officeDocument/2006/math">
+                        <m:sSup>
+                          <m:sSupPr>
+                            <m:ctrlPr>
+                              <a:rPr lang="en-US" i="1">
+                                <a:latin typeface="DejaVu Math TeX Gyre" panose="02000503000000000000" charset="0"/>
+                                <a:cs typeface="DejaVu Math TeX Gyre" panose="02000503000000000000" charset="0"/>
+                              </a:rPr>
+                            </m:ctrlPr>
+                          </m:sSupPr>
+                          <m:e>
+                            <m:r>
+                              <a:rPr lang="en-US" i="1">
+                                <a:latin typeface="DejaVu Math TeX Gyre" panose="02000503000000000000" charset="0"/>
+                                <a:cs typeface="DejaVu Math TeX Gyre" panose="02000503000000000000" charset="0"/>
+                              </a:rPr>
+                              <m:t>𝐿</m:t>
+                            </m:r>
+                          </m:e>
+                          <m:sup>
+                            <m:r>
+                              <a:rPr lang="en-US" i="1">
+                                <a:latin typeface="DejaVu Math TeX Gyre" panose="02000503000000000000" charset="0"/>
+                                <a:cs typeface="DejaVu Math TeX Gyre" panose="02000503000000000000" charset="0"/>
+                              </a:rPr>
+                              <m:t>−</m:t>
+                            </m:r>
+                          </m:sup>
+                        </m:sSup>
+                      </m:oMath>
+                    </m:oMathPara>
+                  </a14:m>
+                  <a:endParaRPr lang="en-US"/>
+                </a:p>
+              </p:txBody>
+            </p:sp>
+          </mc:Choice>
+          <mc:Fallback>
+            <p:sp>
+              <p:nvSpPr>
+                <p:cNvPr id="15" name="Text Box 14"/>
+                <p:cNvSpPr txBox="1">
+                  <a:spLocks noRot="1" noChangeAspect="1" noMove="1" noResize="1" noEditPoints="1" noAdjustHandles="1" noChangeArrowheads="1" noChangeShapeType="1" noTextEdit="1"/>
+                </p:cNvSpPr>
+                <p:nvPr/>
+              </p:nvSpPr>
+              <p:spPr>
+                <a:xfrm>
+                  <a:off x="6584" y="7202"/>
+                  <a:ext cx="1604" cy="580"/>
+                </a:xfrm>
+                <a:prstGeom prst="rect">
+                  <a:avLst/>
+                </a:prstGeom>
+                <a:blipFill rotWithShape="1">
+                  <a:blip r:embed="rId7"/>
+                </a:blipFill>
+              </p:spPr>
+              <p:txBody>
+                <a:bodyPr/>
+                <a:lstStyle/>
+                <a:p>
+                  <a:r>
+                    <a:rPr lang="en-US" altLang="en-US">
+                      <a:noFill/>
+                    </a:rPr>
+                    <a:t> </a:t>
+                  </a:r>
+                </a:p>
+              </p:txBody>
+            </p:sp>
+          </mc:Fallback>
+        </mc:AlternateContent>
+      </p:grpSp>
+    </p:spTree>
+  </p:cSld>
+  <p:clrMapOvr>
+    <a:masterClrMapping/>
+  </p:clrMapOvr>
+</p:sld>
+</file>
+
+<file path=ppt/slides/slide7.xml><?xml version="1.0" encoding="utf-8"?>
 <p:sld xmlns:a="http://schemas.openxmlformats.org/drawingml/2006/main" xmlns:r="http://schemas.openxmlformats.org/officeDocument/2006/relationships" xmlns:p="http://schemas.openxmlformats.org/presentationml/2006/main">
   <p:cSld>
     <p:spTree>
@@ -12549,7 +14610,14 @@
                                 <a:latin typeface="DejaVu Math TeX Gyre" panose="02000503000000000000" charset="0"/>
                                 <a:cs typeface="DejaVu Math TeX Gyre" panose="02000503000000000000" charset="0"/>
                               </a:rPr>
-                              <m:t>𝑒−</m:t>
+                              <m:t>𝑒</m:t>
+                            </m:r>
+                            <m:r>
+                              <a:rPr lang="en-US" i="1">
+                                <a:latin typeface="DejaVu Math TeX Gyre" panose="02000503000000000000" charset="0"/>
+                                <a:cs typeface="DejaVu Math TeX Gyre" panose="02000503000000000000" charset="0"/>
+                              </a:rPr>
+                              <m:t>−</m:t>
                             </m:r>
                             <m:r>
                               <a:rPr lang="en-US" i="1">
@@ -12658,7 +14726,14 @@
                                 <a:latin typeface="DejaVu Math TeX Gyre" panose="02000503000000000000" charset="0"/>
                                 <a:cs typeface="DejaVu Math TeX Gyre" panose="02000503000000000000" charset="0"/>
                               </a:rPr>
-                              <m:t>𝑒−</m:t>
+                              <m:t>𝑒</m:t>
+                            </m:r>
+                            <m:r>
+                              <a:rPr lang="en-US" i="1">
+                                <a:latin typeface="DejaVu Math TeX Gyre" panose="02000503000000000000" charset="0"/>
+                                <a:cs typeface="DejaVu Math TeX Gyre" panose="02000503000000000000" charset="0"/>
+                              </a:rPr>
+                              <m:t>−</m:t>
                             </m:r>
                             <m:r>
                               <a:rPr lang="en-US" i="1">
